--- a/STS3022 Soft Skills/reference materials/17_Critical Reasoning 1.1.pptx
+++ b/STS3022 Soft Skills/reference materials/17_Critical Reasoning 1.1.pptx
@@ -215,7 +215,7 @@
           <a:p>
             <a:fld id="{86DCA69C-DD03-425E-AFC2-BFEE179D6745}" type="datetimeFigureOut">
               <a:rPr lang="en-IN" smtClean="0"/>
-              <a:t>12-07-2018</a:t>
+              <a:t>30/03/22</a:t>
             </a:fld>
             <a:endParaRPr lang="en-IN"/>
           </a:p>
@@ -505,7 +505,7 @@
           <p:cNvPr id="8" name="Picture 7">
             <a:extLst>
               <a:ext uri="{FF2B5EF4-FFF2-40B4-BE49-F238E27FC236}">
-                <a16:creationId xmlns:a16="http://schemas.microsoft.com/office/drawing/2014/main" xmlns="" id="{B152BFFB-D196-42F4-AC79-34CD6131BEC1}"/>
+                <a16:creationId xmlns:a16="http://schemas.microsoft.com/office/drawing/2014/main" id="{B152BFFB-D196-42F4-AC79-34CD6131BEC1}"/>
               </a:ext>
             </a:extLst>
           </p:cNvPr>
@@ -540,7 +540,7 @@
           <p:cNvPr id="15" name="Picture 14">
             <a:extLst>
               <a:ext uri="{FF2B5EF4-FFF2-40B4-BE49-F238E27FC236}">
-                <a16:creationId xmlns:a16="http://schemas.microsoft.com/office/drawing/2014/main" xmlns="" id="{FE9E4003-6AF3-49ED-A8A0-966F52560550}"/>
+                <a16:creationId xmlns:a16="http://schemas.microsoft.com/office/drawing/2014/main" id="{FE9E4003-6AF3-49ED-A8A0-966F52560550}"/>
               </a:ext>
             </a:extLst>
           </p:cNvPr>
@@ -576,7 +576,7 @@
           <p:cNvPr id="17" name="TextBox 16">
             <a:extLst>
               <a:ext uri="{FF2B5EF4-FFF2-40B4-BE49-F238E27FC236}">
-                <a16:creationId xmlns:a16="http://schemas.microsoft.com/office/drawing/2014/main" xmlns="" id="{378D4AAA-3CDD-4D54-BE36-01F929F1EC5C}"/>
+                <a16:creationId xmlns:a16="http://schemas.microsoft.com/office/drawing/2014/main" id="{378D4AAA-3CDD-4D54-BE36-01F929F1EC5C}"/>
               </a:ext>
             </a:extLst>
           </p:cNvPr>
@@ -645,7 +645,7 @@
           <p:cNvPr id="5" name="Picture Placeholder 4">
             <a:extLst>
               <a:ext uri="{FF2B5EF4-FFF2-40B4-BE49-F238E27FC236}">
-                <a16:creationId xmlns:a16="http://schemas.microsoft.com/office/drawing/2014/main" xmlns="" id="{0C267A47-9896-4939-B103-295AF495D0DC}"/>
+                <a16:creationId xmlns:a16="http://schemas.microsoft.com/office/drawing/2014/main" id="{0C267A47-9896-4939-B103-295AF495D0DC}"/>
               </a:ext>
             </a:extLst>
           </p:cNvPr>
@@ -675,7 +675,7 @@
           <p:cNvPr id="8" name="Picture 7">
             <a:extLst>
               <a:ext uri="{FF2B5EF4-FFF2-40B4-BE49-F238E27FC236}">
-                <a16:creationId xmlns:a16="http://schemas.microsoft.com/office/drawing/2014/main" xmlns="" id="{B152BFFB-D196-42F4-AC79-34CD6131BEC1}"/>
+                <a16:creationId xmlns:a16="http://schemas.microsoft.com/office/drawing/2014/main" id="{B152BFFB-D196-42F4-AC79-34CD6131BEC1}"/>
               </a:ext>
             </a:extLst>
           </p:cNvPr>
@@ -710,7 +710,7 @@
           <p:cNvPr id="9" name="Picture 8">
             <a:extLst>
               <a:ext uri="{FF2B5EF4-FFF2-40B4-BE49-F238E27FC236}">
-                <a16:creationId xmlns:a16="http://schemas.microsoft.com/office/drawing/2014/main" xmlns="" id="{6A92AEBE-4A7A-4B35-88F3-7E0A566AE052}"/>
+                <a16:creationId xmlns:a16="http://schemas.microsoft.com/office/drawing/2014/main" id="{6A92AEBE-4A7A-4B35-88F3-7E0A566AE052}"/>
               </a:ext>
             </a:extLst>
           </p:cNvPr>
@@ -746,7 +746,7 @@
           <p:cNvPr id="11" name="Text Placeholder 10">
             <a:extLst>
               <a:ext uri="{FF2B5EF4-FFF2-40B4-BE49-F238E27FC236}">
-                <a16:creationId xmlns:a16="http://schemas.microsoft.com/office/drawing/2014/main" xmlns="" id="{615BBCD2-DC7A-4D6D-977F-B2BD76977B77}"/>
+                <a16:creationId xmlns:a16="http://schemas.microsoft.com/office/drawing/2014/main" id="{615BBCD2-DC7A-4D6D-977F-B2BD76977B77}"/>
               </a:ext>
             </a:extLst>
           </p:cNvPr>
@@ -801,7 +801,7 @@
           <p:cNvPr id="15" name="Rectangle 14">
             <a:extLst>
               <a:ext uri="{FF2B5EF4-FFF2-40B4-BE49-F238E27FC236}">
-                <a16:creationId xmlns:a16="http://schemas.microsoft.com/office/drawing/2014/main" xmlns="" id="{BE94FF22-ABDE-4A53-81AF-1F415AB055FA}"/>
+                <a16:creationId xmlns:a16="http://schemas.microsoft.com/office/drawing/2014/main" id="{BE94FF22-ABDE-4A53-81AF-1F415AB055FA}"/>
               </a:ext>
             </a:extLst>
           </p:cNvPr>
@@ -856,7 +856,7 @@
           <p:cNvPr id="17" name="Graphic 16" descr="Brain in head">
             <a:extLst>
               <a:ext uri="{FF2B5EF4-FFF2-40B4-BE49-F238E27FC236}">
-                <a16:creationId xmlns:a16="http://schemas.microsoft.com/office/drawing/2014/main" xmlns="" id="{2A698E03-86C0-40CC-8DE4-C762BD70201D}"/>
+                <a16:creationId xmlns:a16="http://schemas.microsoft.com/office/drawing/2014/main" id="{2A698E03-86C0-40CC-8DE4-C762BD70201D}"/>
               </a:ext>
             </a:extLst>
           </p:cNvPr>
@@ -872,7 +872,7 @@
                 <a14:useLocalDpi xmlns:a14="http://schemas.microsoft.com/office/drawing/2010/main" val="0"/>
               </a:ext>
               <a:ext uri="{96DAC541-7B7A-43D3-8B79-37D633B846F1}">
-                <asvg:svgBlip xmlns:asvg="http://schemas.microsoft.com/office/drawing/2016/SVG/main" xmlns="" r:embed="rId5"/>
+                <asvg:svgBlip xmlns:asvg="http://schemas.microsoft.com/office/drawing/2016/SVG/main" r:embed="rId5"/>
               </a:ext>
             </a:extLst>
           </a:blip>
@@ -925,7 +925,7 @@
           <p:cNvPr id="5" name="Picture Placeholder 4">
             <a:extLst>
               <a:ext uri="{FF2B5EF4-FFF2-40B4-BE49-F238E27FC236}">
-                <a16:creationId xmlns:a16="http://schemas.microsoft.com/office/drawing/2014/main" xmlns="" id="{0C267A47-9896-4939-B103-295AF495D0DC}"/>
+                <a16:creationId xmlns:a16="http://schemas.microsoft.com/office/drawing/2014/main" id="{0C267A47-9896-4939-B103-295AF495D0DC}"/>
               </a:ext>
             </a:extLst>
           </p:cNvPr>
@@ -955,7 +955,7 @@
           <p:cNvPr id="8" name="Picture 7">
             <a:extLst>
               <a:ext uri="{FF2B5EF4-FFF2-40B4-BE49-F238E27FC236}">
-                <a16:creationId xmlns:a16="http://schemas.microsoft.com/office/drawing/2014/main" xmlns="" id="{B152BFFB-D196-42F4-AC79-34CD6131BEC1}"/>
+                <a16:creationId xmlns:a16="http://schemas.microsoft.com/office/drawing/2014/main" id="{B152BFFB-D196-42F4-AC79-34CD6131BEC1}"/>
               </a:ext>
             </a:extLst>
           </p:cNvPr>
@@ -990,7 +990,7 @@
           <p:cNvPr id="9" name="Picture 8">
             <a:extLst>
               <a:ext uri="{FF2B5EF4-FFF2-40B4-BE49-F238E27FC236}">
-                <a16:creationId xmlns:a16="http://schemas.microsoft.com/office/drawing/2014/main" xmlns="" id="{6A92AEBE-4A7A-4B35-88F3-7E0A566AE052}"/>
+                <a16:creationId xmlns:a16="http://schemas.microsoft.com/office/drawing/2014/main" id="{6A92AEBE-4A7A-4B35-88F3-7E0A566AE052}"/>
               </a:ext>
             </a:extLst>
           </p:cNvPr>
@@ -1026,7 +1026,7 @@
           <p:cNvPr id="11" name="Text Placeholder 10">
             <a:extLst>
               <a:ext uri="{FF2B5EF4-FFF2-40B4-BE49-F238E27FC236}">
-                <a16:creationId xmlns:a16="http://schemas.microsoft.com/office/drawing/2014/main" xmlns="" id="{615BBCD2-DC7A-4D6D-977F-B2BD76977B77}"/>
+                <a16:creationId xmlns:a16="http://schemas.microsoft.com/office/drawing/2014/main" id="{615BBCD2-DC7A-4D6D-977F-B2BD76977B77}"/>
               </a:ext>
             </a:extLst>
           </p:cNvPr>
@@ -1081,7 +1081,7 @@
           <p:cNvPr id="15" name="Rectangle 14">
             <a:extLst>
               <a:ext uri="{FF2B5EF4-FFF2-40B4-BE49-F238E27FC236}">
-                <a16:creationId xmlns:a16="http://schemas.microsoft.com/office/drawing/2014/main" xmlns="" id="{BE94FF22-ABDE-4A53-81AF-1F415AB055FA}"/>
+                <a16:creationId xmlns:a16="http://schemas.microsoft.com/office/drawing/2014/main" id="{BE94FF22-ABDE-4A53-81AF-1F415AB055FA}"/>
               </a:ext>
             </a:extLst>
           </p:cNvPr>
@@ -1136,7 +1136,7 @@
           <p:cNvPr id="3" name="Graphic 2" descr="Lightbulb">
             <a:extLst>
               <a:ext uri="{FF2B5EF4-FFF2-40B4-BE49-F238E27FC236}">
-                <a16:creationId xmlns:a16="http://schemas.microsoft.com/office/drawing/2014/main" xmlns="" id="{1D52ED94-A21B-44F6-B189-C0B472981137}"/>
+                <a16:creationId xmlns:a16="http://schemas.microsoft.com/office/drawing/2014/main" id="{1D52ED94-A21B-44F6-B189-C0B472981137}"/>
               </a:ext>
             </a:extLst>
           </p:cNvPr>
@@ -1152,7 +1152,7 @@
                 <a14:useLocalDpi xmlns:a14="http://schemas.microsoft.com/office/drawing/2010/main" val="0"/>
               </a:ext>
               <a:ext uri="{96DAC541-7B7A-43D3-8B79-37D633B846F1}">
-                <asvg:svgBlip xmlns:asvg="http://schemas.microsoft.com/office/drawing/2016/SVG/main" xmlns="" r:embed="rId5"/>
+                <asvg:svgBlip xmlns:asvg="http://schemas.microsoft.com/office/drawing/2016/SVG/main" r:embed="rId5"/>
               </a:ext>
             </a:extLst>
           </a:blip>
@@ -1205,7 +1205,7 @@
           <p:cNvPr id="5" name="Picture Placeholder 4">
             <a:extLst>
               <a:ext uri="{FF2B5EF4-FFF2-40B4-BE49-F238E27FC236}">
-                <a16:creationId xmlns:a16="http://schemas.microsoft.com/office/drawing/2014/main" xmlns="" id="{0C267A47-9896-4939-B103-295AF495D0DC}"/>
+                <a16:creationId xmlns:a16="http://schemas.microsoft.com/office/drawing/2014/main" id="{0C267A47-9896-4939-B103-295AF495D0DC}"/>
               </a:ext>
             </a:extLst>
           </p:cNvPr>
@@ -1235,7 +1235,7 @@
           <p:cNvPr id="8" name="Picture 7">
             <a:extLst>
               <a:ext uri="{FF2B5EF4-FFF2-40B4-BE49-F238E27FC236}">
-                <a16:creationId xmlns:a16="http://schemas.microsoft.com/office/drawing/2014/main" xmlns="" id="{B152BFFB-D196-42F4-AC79-34CD6131BEC1}"/>
+                <a16:creationId xmlns:a16="http://schemas.microsoft.com/office/drawing/2014/main" id="{B152BFFB-D196-42F4-AC79-34CD6131BEC1}"/>
               </a:ext>
             </a:extLst>
           </p:cNvPr>
@@ -1270,7 +1270,7 @@
           <p:cNvPr id="9" name="Picture 8">
             <a:extLst>
               <a:ext uri="{FF2B5EF4-FFF2-40B4-BE49-F238E27FC236}">
-                <a16:creationId xmlns:a16="http://schemas.microsoft.com/office/drawing/2014/main" xmlns="" id="{6A92AEBE-4A7A-4B35-88F3-7E0A566AE052}"/>
+                <a16:creationId xmlns:a16="http://schemas.microsoft.com/office/drawing/2014/main" id="{6A92AEBE-4A7A-4B35-88F3-7E0A566AE052}"/>
               </a:ext>
             </a:extLst>
           </p:cNvPr>
@@ -1306,7 +1306,7 @@
           <p:cNvPr id="11" name="Text Placeholder 10">
             <a:extLst>
               <a:ext uri="{FF2B5EF4-FFF2-40B4-BE49-F238E27FC236}">
-                <a16:creationId xmlns:a16="http://schemas.microsoft.com/office/drawing/2014/main" xmlns="" id="{615BBCD2-DC7A-4D6D-977F-B2BD76977B77}"/>
+                <a16:creationId xmlns:a16="http://schemas.microsoft.com/office/drawing/2014/main" id="{615BBCD2-DC7A-4D6D-977F-B2BD76977B77}"/>
               </a:ext>
             </a:extLst>
           </p:cNvPr>
@@ -1361,7 +1361,7 @@
           <p:cNvPr id="15" name="Rectangle 14">
             <a:extLst>
               <a:ext uri="{FF2B5EF4-FFF2-40B4-BE49-F238E27FC236}">
-                <a16:creationId xmlns:a16="http://schemas.microsoft.com/office/drawing/2014/main" xmlns="" id="{BE94FF22-ABDE-4A53-81AF-1F415AB055FA}"/>
+                <a16:creationId xmlns:a16="http://schemas.microsoft.com/office/drawing/2014/main" id="{BE94FF22-ABDE-4A53-81AF-1F415AB055FA}"/>
               </a:ext>
             </a:extLst>
           </p:cNvPr>
@@ -1416,7 +1416,7 @@
           <p:cNvPr id="7" name="Graphic 6" descr="Game controller">
             <a:extLst>
               <a:ext uri="{FF2B5EF4-FFF2-40B4-BE49-F238E27FC236}">
-                <a16:creationId xmlns:a16="http://schemas.microsoft.com/office/drawing/2014/main" xmlns="" id="{23948ED8-3679-476D-8E3C-294A6D67FE77}"/>
+                <a16:creationId xmlns:a16="http://schemas.microsoft.com/office/drawing/2014/main" id="{23948ED8-3679-476D-8E3C-294A6D67FE77}"/>
               </a:ext>
             </a:extLst>
           </p:cNvPr>
@@ -1432,7 +1432,7 @@
                 <a14:useLocalDpi xmlns:a14="http://schemas.microsoft.com/office/drawing/2010/main" val="0"/>
               </a:ext>
               <a:ext uri="{96DAC541-7B7A-43D3-8B79-37D633B846F1}">
-                <asvg:svgBlip xmlns:asvg="http://schemas.microsoft.com/office/drawing/2016/SVG/main" xmlns="" r:embed="rId5"/>
+                <asvg:svgBlip xmlns:asvg="http://schemas.microsoft.com/office/drawing/2016/SVG/main" r:embed="rId5"/>
               </a:ext>
             </a:extLst>
           </a:blip>
@@ -1485,7 +1485,7 @@
           <p:cNvPr id="8" name="Picture 7">
             <a:extLst>
               <a:ext uri="{FF2B5EF4-FFF2-40B4-BE49-F238E27FC236}">
-                <a16:creationId xmlns:a16="http://schemas.microsoft.com/office/drawing/2014/main" xmlns="" id="{B152BFFB-D196-42F4-AC79-34CD6131BEC1}"/>
+                <a16:creationId xmlns:a16="http://schemas.microsoft.com/office/drawing/2014/main" id="{B152BFFB-D196-42F4-AC79-34CD6131BEC1}"/>
               </a:ext>
             </a:extLst>
           </p:cNvPr>
@@ -1520,7 +1520,7 @@
           <p:cNvPr id="9" name="Picture 8">
             <a:extLst>
               <a:ext uri="{FF2B5EF4-FFF2-40B4-BE49-F238E27FC236}">
-                <a16:creationId xmlns:a16="http://schemas.microsoft.com/office/drawing/2014/main" xmlns="" id="{6A92AEBE-4A7A-4B35-88F3-7E0A566AE052}"/>
+                <a16:creationId xmlns:a16="http://schemas.microsoft.com/office/drawing/2014/main" id="{6A92AEBE-4A7A-4B35-88F3-7E0A566AE052}"/>
               </a:ext>
             </a:extLst>
           </p:cNvPr>
@@ -1556,7 +1556,7 @@
           <p:cNvPr id="11" name="Text Placeholder 10">
             <a:extLst>
               <a:ext uri="{FF2B5EF4-FFF2-40B4-BE49-F238E27FC236}">
-                <a16:creationId xmlns:a16="http://schemas.microsoft.com/office/drawing/2014/main" xmlns="" id="{615BBCD2-DC7A-4D6D-977F-B2BD76977B77}"/>
+                <a16:creationId xmlns:a16="http://schemas.microsoft.com/office/drawing/2014/main" id="{615BBCD2-DC7A-4D6D-977F-B2BD76977B77}"/>
               </a:ext>
             </a:extLst>
           </p:cNvPr>
@@ -1611,7 +1611,7 @@
           <p:cNvPr id="15" name="Rectangle 14">
             <a:extLst>
               <a:ext uri="{FF2B5EF4-FFF2-40B4-BE49-F238E27FC236}">
-                <a16:creationId xmlns:a16="http://schemas.microsoft.com/office/drawing/2014/main" xmlns="" id="{BE94FF22-ABDE-4A53-81AF-1F415AB055FA}"/>
+                <a16:creationId xmlns:a16="http://schemas.microsoft.com/office/drawing/2014/main" id="{BE94FF22-ABDE-4A53-81AF-1F415AB055FA}"/>
               </a:ext>
             </a:extLst>
           </p:cNvPr>
@@ -1666,7 +1666,7 @@
           <p:cNvPr id="7" name="Graphic 6" descr="Game controller">
             <a:extLst>
               <a:ext uri="{FF2B5EF4-FFF2-40B4-BE49-F238E27FC236}">
-                <a16:creationId xmlns:a16="http://schemas.microsoft.com/office/drawing/2014/main" xmlns="" id="{23948ED8-3679-476D-8E3C-294A6D67FE77}"/>
+                <a16:creationId xmlns:a16="http://schemas.microsoft.com/office/drawing/2014/main" id="{23948ED8-3679-476D-8E3C-294A6D67FE77}"/>
               </a:ext>
             </a:extLst>
           </p:cNvPr>
@@ -1682,7 +1682,7 @@
                 <a14:useLocalDpi xmlns:a14="http://schemas.microsoft.com/office/drawing/2010/main" val="0"/>
               </a:ext>
               <a:ext uri="{96DAC541-7B7A-43D3-8B79-37D633B846F1}">
-                <asvg:svgBlip xmlns:asvg="http://schemas.microsoft.com/office/drawing/2016/SVG/main" xmlns="" r:embed="rId5"/>
+                <asvg:svgBlip xmlns:asvg="http://schemas.microsoft.com/office/drawing/2016/SVG/main" r:embed="rId5"/>
               </a:ext>
             </a:extLst>
           </a:blip>
@@ -1705,7 +1705,7 @@
           <p:cNvPr id="10" name="Text Placeholder 6">
             <a:extLst>
               <a:ext uri="{FF2B5EF4-FFF2-40B4-BE49-F238E27FC236}">
-                <a16:creationId xmlns:a16="http://schemas.microsoft.com/office/drawing/2014/main" xmlns="" id="{45C2ADA3-D191-43C5-83A1-F77D26F7D789}"/>
+                <a16:creationId xmlns:a16="http://schemas.microsoft.com/office/drawing/2014/main" id="{45C2ADA3-D191-43C5-83A1-F77D26F7D789}"/>
               </a:ext>
             </a:extLst>
           </p:cNvPr>
@@ -2234,7 +2234,7 @@
           <p:cNvPr id="8" name="Picture 7">
             <a:extLst>
               <a:ext uri="{FF2B5EF4-FFF2-40B4-BE49-F238E27FC236}">
-                <a16:creationId xmlns:a16="http://schemas.microsoft.com/office/drawing/2014/main" xmlns="" id="{B152BFFB-D196-42F4-AC79-34CD6131BEC1}"/>
+                <a16:creationId xmlns:a16="http://schemas.microsoft.com/office/drawing/2014/main" id="{B152BFFB-D196-42F4-AC79-34CD6131BEC1}"/>
               </a:ext>
             </a:extLst>
           </p:cNvPr>
@@ -2269,7 +2269,7 @@
           <p:cNvPr id="9" name="Picture 8">
             <a:extLst>
               <a:ext uri="{FF2B5EF4-FFF2-40B4-BE49-F238E27FC236}">
-                <a16:creationId xmlns:a16="http://schemas.microsoft.com/office/drawing/2014/main" xmlns="" id="{6A92AEBE-4A7A-4B35-88F3-7E0A566AE052}"/>
+                <a16:creationId xmlns:a16="http://schemas.microsoft.com/office/drawing/2014/main" id="{6A92AEBE-4A7A-4B35-88F3-7E0A566AE052}"/>
               </a:ext>
             </a:extLst>
           </p:cNvPr>
@@ -2305,7 +2305,7 @@
           <p:cNvPr id="11" name="Text Placeholder 10">
             <a:extLst>
               <a:ext uri="{FF2B5EF4-FFF2-40B4-BE49-F238E27FC236}">
-                <a16:creationId xmlns:a16="http://schemas.microsoft.com/office/drawing/2014/main" xmlns="" id="{615BBCD2-DC7A-4D6D-977F-B2BD76977B77}"/>
+                <a16:creationId xmlns:a16="http://schemas.microsoft.com/office/drawing/2014/main" id="{615BBCD2-DC7A-4D6D-977F-B2BD76977B77}"/>
               </a:ext>
             </a:extLst>
           </p:cNvPr>
@@ -2360,7 +2360,7 @@
           <p:cNvPr id="15" name="Rectangle 14">
             <a:extLst>
               <a:ext uri="{FF2B5EF4-FFF2-40B4-BE49-F238E27FC236}">
-                <a16:creationId xmlns:a16="http://schemas.microsoft.com/office/drawing/2014/main" xmlns="" id="{BE94FF22-ABDE-4A53-81AF-1F415AB055FA}"/>
+                <a16:creationId xmlns:a16="http://schemas.microsoft.com/office/drawing/2014/main" id="{BE94FF22-ABDE-4A53-81AF-1F415AB055FA}"/>
               </a:ext>
             </a:extLst>
           </p:cNvPr>
@@ -2415,7 +2415,7 @@
           <p:cNvPr id="4" name="Graphic 3" descr="Pencil">
             <a:extLst>
               <a:ext uri="{FF2B5EF4-FFF2-40B4-BE49-F238E27FC236}">
-                <a16:creationId xmlns:a16="http://schemas.microsoft.com/office/drawing/2014/main" xmlns="" id="{33C17763-7A82-42B3-8938-B301C2B1BA70}"/>
+                <a16:creationId xmlns:a16="http://schemas.microsoft.com/office/drawing/2014/main" id="{33C17763-7A82-42B3-8938-B301C2B1BA70}"/>
               </a:ext>
             </a:extLst>
           </p:cNvPr>
@@ -2431,7 +2431,7 @@
                 <a14:useLocalDpi xmlns:a14="http://schemas.microsoft.com/office/drawing/2010/main" val="0"/>
               </a:ext>
               <a:ext uri="{96DAC541-7B7A-43D3-8B79-37D633B846F1}">
-                <asvg:svgBlip xmlns:asvg="http://schemas.microsoft.com/office/drawing/2016/SVG/main" xmlns="" r:embed="rId5"/>
+                <asvg:svgBlip xmlns:asvg="http://schemas.microsoft.com/office/drawing/2016/SVG/main" r:embed="rId5"/>
               </a:ext>
             </a:extLst>
           </a:blip>
@@ -2454,7 +2454,7 @@
           <p:cNvPr id="7" name="Text Placeholder 6">
             <a:extLst>
               <a:ext uri="{FF2B5EF4-FFF2-40B4-BE49-F238E27FC236}">
-                <a16:creationId xmlns:a16="http://schemas.microsoft.com/office/drawing/2014/main" xmlns="" id="{C5C80C31-52AB-46E9-A791-2FDDFEB0048B}"/>
+                <a16:creationId xmlns:a16="http://schemas.microsoft.com/office/drawing/2014/main" id="{C5C80C31-52AB-46E9-A791-2FDDFEB0048B}"/>
               </a:ext>
             </a:extLst>
           </p:cNvPr>
@@ -2983,7 +2983,7 @@
           <p:cNvPr id="8" name="Picture 7">
             <a:extLst>
               <a:ext uri="{FF2B5EF4-FFF2-40B4-BE49-F238E27FC236}">
-                <a16:creationId xmlns:a16="http://schemas.microsoft.com/office/drawing/2014/main" xmlns="" id="{B152BFFB-D196-42F4-AC79-34CD6131BEC1}"/>
+                <a16:creationId xmlns:a16="http://schemas.microsoft.com/office/drawing/2014/main" id="{B152BFFB-D196-42F4-AC79-34CD6131BEC1}"/>
               </a:ext>
             </a:extLst>
           </p:cNvPr>
@@ -3018,7 +3018,7 @@
           <p:cNvPr id="9" name="Picture 8">
             <a:extLst>
               <a:ext uri="{FF2B5EF4-FFF2-40B4-BE49-F238E27FC236}">
-                <a16:creationId xmlns:a16="http://schemas.microsoft.com/office/drawing/2014/main" xmlns="" id="{6A92AEBE-4A7A-4B35-88F3-7E0A566AE052}"/>
+                <a16:creationId xmlns:a16="http://schemas.microsoft.com/office/drawing/2014/main" id="{6A92AEBE-4A7A-4B35-88F3-7E0A566AE052}"/>
               </a:ext>
             </a:extLst>
           </p:cNvPr>
@@ -3084,7 +3084,7 @@
           <p:cNvPr id="8" name="Picture 7">
             <a:extLst>
               <a:ext uri="{FF2B5EF4-FFF2-40B4-BE49-F238E27FC236}">
-                <a16:creationId xmlns:a16="http://schemas.microsoft.com/office/drawing/2014/main" xmlns="" id="{B152BFFB-D196-42F4-AC79-34CD6131BEC1}"/>
+                <a16:creationId xmlns:a16="http://schemas.microsoft.com/office/drawing/2014/main" id="{B152BFFB-D196-42F4-AC79-34CD6131BEC1}"/>
               </a:ext>
             </a:extLst>
           </p:cNvPr>
@@ -3119,7 +3119,7 @@
           <p:cNvPr id="9" name="Picture 8">
             <a:extLst>
               <a:ext uri="{FF2B5EF4-FFF2-40B4-BE49-F238E27FC236}">
-                <a16:creationId xmlns:a16="http://schemas.microsoft.com/office/drawing/2014/main" xmlns="" id="{6A92AEBE-4A7A-4B35-88F3-7E0A566AE052}"/>
+                <a16:creationId xmlns:a16="http://schemas.microsoft.com/office/drawing/2014/main" id="{6A92AEBE-4A7A-4B35-88F3-7E0A566AE052}"/>
               </a:ext>
             </a:extLst>
           </p:cNvPr>
@@ -3155,7 +3155,7 @@
           <p:cNvPr id="2" name="Arrow: Pentagon 1">
             <a:extLst>
               <a:ext uri="{FF2B5EF4-FFF2-40B4-BE49-F238E27FC236}">
-                <a16:creationId xmlns:a16="http://schemas.microsoft.com/office/drawing/2014/main" xmlns="" id="{730322F6-8E74-4B84-85CA-B1C793CD80DD}"/>
+                <a16:creationId xmlns:a16="http://schemas.microsoft.com/office/drawing/2014/main" id="{730322F6-8E74-4B84-85CA-B1C793CD80DD}"/>
               </a:ext>
             </a:extLst>
           </p:cNvPr>
@@ -3207,7 +3207,7 @@
           <p:cNvPr id="4" name="Text Placeholder 3">
             <a:extLst>
               <a:ext uri="{FF2B5EF4-FFF2-40B4-BE49-F238E27FC236}">
-                <a16:creationId xmlns:a16="http://schemas.microsoft.com/office/drawing/2014/main" xmlns="" id="{BB488EB6-5ADF-4CAA-8823-321EFD6B34E1}"/>
+                <a16:creationId xmlns:a16="http://schemas.microsoft.com/office/drawing/2014/main" id="{BB488EB6-5ADF-4CAA-8823-321EFD6B34E1}"/>
               </a:ext>
             </a:extLst>
           </p:cNvPr>
@@ -3252,7 +3252,7 @@
           <p:cNvPr id="135" name="Text Placeholder 134">
             <a:extLst>
               <a:ext uri="{FF2B5EF4-FFF2-40B4-BE49-F238E27FC236}">
-                <a16:creationId xmlns:a16="http://schemas.microsoft.com/office/drawing/2014/main" xmlns="" id="{21A51C03-CBA4-406F-B72A-D8D73B2C85EF}"/>
+                <a16:creationId xmlns:a16="http://schemas.microsoft.com/office/drawing/2014/main" id="{21A51C03-CBA4-406F-B72A-D8D73B2C85EF}"/>
               </a:ext>
             </a:extLst>
           </p:cNvPr>
@@ -3575,7 +3575,7 @@
           <a:p>
             <a:fld id="{67A6FE37-C6B6-448D-B3C0-CCD7DF28B1A2}" type="datetimeFigureOut">
               <a:rPr lang="en-US" smtClean="0"/>
-              <a:t>7/12/2018</a:t>
+              <a:t>3/30/22</a:t>
             </a:fld>
             <a:endParaRPr lang="en-US" dirty="0"/>
           </a:p>
@@ -4012,7 +4012,7 @@
           <p:cNvPr id="2" name="Text Placeholder 1">
             <a:extLst>
               <a:ext uri="{FF2B5EF4-FFF2-40B4-BE49-F238E27FC236}">
-                <a16:creationId xmlns:a16="http://schemas.microsoft.com/office/drawing/2014/main" xmlns="" id="{46A95D8F-F270-4CF2-8BEE-E44E068405F1}"/>
+                <a16:creationId xmlns:a16="http://schemas.microsoft.com/office/drawing/2014/main" id="{46A95D8F-F270-4CF2-8BEE-E44E068405F1}"/>
               </a:ext>
             </a:extLst>
           </p:cNvPr>
@@ -4041,7 +4041,7 @@
           <p:cNvPr id="3" name="Text Placeholder 2">
             <a:extLst>
               <a:ext uri="{FF2B5EF4-FFF2-40B4-BE49-F238E27FC236}">
-                <a16:creationId xmlns:a16="http://schemas.microsoft.com/office/drawing/2014/main" xmlns="" id="{F3E87830-0C8E-4281-BC45-6EDFB3D6F0C6}"/>
+                <a16:creationId xmlns:a16="http://schemas.microsoft.com/office/drawing/2014/main" id="{F3E87830-0C8E-4281-BC45-6EDFB3D6F0C6}"/>
               </a:ext>
             </a:extLst>
           </p:cNvPr>
@@ -4061,19 +4061,14 @@
               <a:rPr lang="en-US" dirty="0"/>
               <a:t>Which of the following combinations of person, profession and city is definitely correct? </a:t>
             </a:r>
-            <a:endParaRPr lang="en-US" dirty="0" smtClean="0"/>
-          </a:p>
-          <a:p>
-            <a:endParaRPr lang="en-GB" dirty="0" smtClean="0"/>
-          </a:p>
-          <a:p>
-            <a:r>
-              <a:rPr lang="en-GB" dirty="0" smtClean="0"/>
-              <a:t>A</a:t>
-            </a:r>
-            <a:r>
-              <a:rPr lang="en-GB" dirty="0"/>
-              <a:t>] </a:t>
+          </a:p>
+          <a:p>
+            <a:endParaRPr lang="en-GB" dirty="0"/>
+          </a:p>
+          <a:p>
+            <a:r>
+              <a:rPr lang="en-GB" dirty="0"/>
+              <a:t>A] </a:t>
             </a:r>
             <a:r>
               <a:rPr lang="en-US" dirty="0" err="1"/>
@@ -4081,11 +4076,7 @@
             </a:r>
             <a:r>
               <a:rPr lang="en-US" dirty="0"/>
-              <a:t>— Fashion Designer— </a:t>
-            </a:r>
-            <a:r>
-              <a:rPr lang="en-US" dirty="0" smtClean="0"/>
-              <a:t>Chandigarh</a:t>
+              <a:t>— Fashion Designer— Chandigarh</a:t>
             </a:r>
             <a:endParaRPr lang="en-GB" dirty="0"/>
           </a:p>
@@ -4095,16 +4086,12 @@
               <a:t>B] </a:t>
             </a:r>
             <a:r>
-              <a:rPr lang="en-US" dirty="0" err="1" smtClean="0"/>
+              <a:rPr lang="en-US" dirty="0" err="1"/>
               <a:t>Kandarp</a:t>
             </a:r>
             <a:r>
               <a:rPr lang="en-US" dirty="0"/>
-              <a:t>— Painter— </a:t>
-            </a:r>
-            <a:r>
-              <a:rPr lang="en-US" dirty="0" smtClean="0"/>
-              <a:t>Bhopal</a:t>
+              <a:t>— Painter— Bhopal</a:t>
             </a:r>
             <a:endParaRPr lang="en-GB" dirty="0"/>
           </a:p>
@@ -4122,27 +4109,17 @@
           <a:p>
             <a:r>
               <a:rPr lang="en-GB" dirty="0"/>
-              <a:t>D] </a:t>
-            </a:r>
-            <a:r>
-              <a:rPr lang="en-GB" dirty="0" smtClean="0"/>
-              <a:t>None of the above</a:t>
-            </a:r>
+              <a:t>D] None of the above</a:t>
+            </a:r>
+          </a:p>
+          <a:p>
             <a:endParaRPr lang="en-GB" dirty="0"/>
           </a:p>
           <a:p>
-            <a:endParaRPr lang="en-GB" dirty="0"/>
-          </a:p>
-          <a:p>
-            <a:r>
-              <a:rPr lang="en-GB" dirty="0"/>
-              <a:t>Answer: </a:t>
-            </a:r>
-            <a:r>
-              <a:rPr lang="en-GB" dirty="0" smtClean="0"/>
-              <a:t>D</a:t>
-            </a:r>
-            <a:endParaRPr lang="en-GB" dirty="0"/>
+            <a:r>
+              <a:rPr lang="en-GB" dirty="0"/>
+              <a:t>Answer: D</a:t>
+            </a:r>
           </a:p>
         </p:txBody>
       </p:sp>
@@ -4181,7 +4158,7 @@
           <p:cNvPr id="2" name="Text Placeholder 1">
             <a:extLst>
               <a:ext uri="{FF2B5EF4-FFF2-40B4-BE49-F238E27FC236}">
-                <a16:creationId xmlns:a16="http://schemas.microsoft.com/office/drawing/2014/main" xmlns="" id="{46A95D8F-F270-4CF2-8BEE-E44E068405F1}"/>
+                <a16:creationId xmlns:a16="http://schemas.microsoft.com/office/drawing/2014/main" id="{46A95D8F-F270-4CF2-8BEE-E44E068405F1}"/>
               </a:ext>
             </a:extLst>
           </p:cNvPr>
@@ -4210,7 +4187,7 @@
           <p:cNvPr id="3" name="Text Placeholder 2">
             <a:extLst>
               <a:ext uri="{FF2B5EF4-FFF2-40B4-BE49-F238E27FC236}">
-                <a16:creationId xmlns:a16="http://schemas.microsoft.com/office/drawing/2014/main" xmlns="" id="{F3E87830-0C8E-4281-BC45-6EDFB3D6F0C6}"/>
+                <a16:creationId xmlns:a16="http://schemas.microsoft.com/office/drawing/2014/main" id="{F3E87830-0C8E-4281-BC45-6EDFB3D6F0C6}"/>
               </a:ext>
             </a:extLst>
           </p:cNvPr>
@@ -4230,22 +4207,17 @@
               <a:rPr lang="en-US" dirty="0"/>
               <a:t>Who is working in Lucknow? </a:t>
             </a:r>
-            <a:endParaRPr lang="en-US" dirty="0" smtClean="0"/>
-          </a:p>
-          <a:p>
-            <a:endParaRPr lang="en-GB" dirty="0" smtClean="0"/>
-          </a:p>
-          <a:p>
-            <a:r>
-              <a:rPr lang="en-GB" dirty="0" smtClean="0"/>
-              <a:t>A</a:t>
-            </a:r>
-            <a:r>
-              <a:rPr lang="en-GB" dirty="0"/>
-              <a:t>] </a:t>
-            </a:r>
-            <a:r>
-              <a:rPr lang="en-GB" dirty="0" err="1" smtClean="0"/>
+          </a:p>
+          <a:p>
+            <a:endParaRPr lang="en-GB" dirty="0"/>
+          </a:p>
+          <a:p>
+            <a:r>
+              <a:rPr lang="en-GB" dirty="0"/>
+              <a:t>A] </a:t>
+            </a:r>
+            <a:r>
+              <a:rPr lang="en-GB" dirty="0" err="1"/>
               <a:t>Javed</a:t>
             </a:r>
             <a:endParaRPr lang="en-GB" dirty="0"/>
@@ -4256,7 +4228,7 @@
               <a:t>B] </a:t>
             </a:r>
             <a:r>
-              <a:rPr lang="en-GB" dirty="0" err="1" smtClean="0"/>
+              <a:rPr lang="en-GB" dirty="0" err="1"/>
               <a:t>Kandarp</a:t>
             </a:r>
             <a:endParaRPr lang="en-GB" dirty="0"/>
@@ -4264,38 +4236,23 @@
           <a:p>
             <a:r>
               <a:rPr lang="en-GB" dirty="0"/>
-              <a:t>C] </a:t>
-            </a:r>
-            <a:r>
-              <a:rPr lang="en-GB" dirty="0" smtClean="0"/>
-              <a:t>Moni</a:t>
-            </a:r>
+              <a:t>C] Moni</a:t>
+            </a:r>
+          </a:p>
+          <a:p>
+            <a:r>
+              <a:rPr lang="en-GB" dirty="0"/>
+              <a:t>D] Nitin</a:t>
+            </a:r>
+          </a:p>
+          <a:p>
             <a:endParaRPr lang="en-GB" dirty="0"/>
           </a:p>
           <a:p>
             <a:r>
               <a:rPr lang="en-GB" dirty="0"/>
-              <a:t>D] </a:t>
-            </a:r>
-            <a:r>
-              <a:rPr lang="en-GB" dirty="0" smtClean="0"/>
-              <a:t>Nitin</a:t>
-            </a:r>
-            <a:endParaRPr lang="en-GB" dirty="0"/>
-          </a:p>
-          <a:p>
-            <a:endParaRPr lang="en-GB" dirty="0"/>
-          </a:p>
-          <a:p>
-            <a:r>
-              <a:rPr lang="en-GB" dirty="0"/>
-              <a:t>Answer</a:t>
-            </a:r>
-            <a:r>
-              <a:rPr lang="en-GB" dirty="0" smtClean="0"/>
-              <a:t>: D</a:t>
-            </a:r>
-            <a:endParaRPr lang="en-GB" dirty="0"/>
+              <a:t>Answer: D</a:t>
+            </a:r>
           </a:p>
         </p:txBody>
       </p:sp>
@@ -4334,7 +4291,7 @@
           <p:cNvPr id="2" name="Text Placeholder 1">
             <a:extLst>
               <a:ext uri="{FF2B5EF4-FFF2-40B4-BE49-F238E27FC236}">
-                <a16:creationId xmlns:a16="http://schemas.microsoft.com/office/drawing/2014/main" xmlns="" id="{46A95D8F-F270-4CF2-8BEE-E44E068405F1}"/>
+                <a16:creationId xmlns:a16="http://schemas.microsoft.com/office/drawing/2014/main" id="{46A95D8F-F270-4CF2-8BEE-E44E068405F1}"/>
               </a:ext>
             </a:extLst>
           </p:cNvPr>
@@ -4363,7 +4320,7 @@
           <p:cNvPr id="3" name="Text Placeholder 2">
             <a:extLst>
               <a:ext uri="{FF2B5EF4-FFF2-40B4-BE49-F238E27FC236}">
-                <a16:creationId xmlns:a16="http://schemas.microsoft.com/office/drawing/2014/main" xmlns="" id="{F3E87830-0C8E-4281-BC45-6EDFB3D6F0C6}"/>
+                <a16:creationId xmlns:a16="http://schemas.microsoft.com/office/drawing/2014/main" id="{F3E87830-0C8E-4281-BC45-6EDFB3D6F0C6}"/>
               </a:ext>
             </a:extLst>
           </p:cNvPr>
@@ -4385,69 +4342,40 @@
             </a:r>
           </a:p>
           <a:p>
-            <a:endParaRPr lang="en-GB" dirty="0" smtClean="0"/>
-          </a:p>
-          <a:p>
-            <a:r>
-              <a:rPr lang="en-GB" dirty="0" smtClean="0"/>
-              <a:t>A</a:t>
-            </a:r>
-            <a:r>
-              <a:rPr lang="en-GB" dirty="0"/>
-              <a:t>] </a:t>
-            </a:r>
-            <a:r>
-              <a:rPr lang="en-GB" dirty="0" smtClean="0"/>
-              <a:t>Agra</a:t>
-            </a:r>
             <a:endParaRPr lang="en-GB" dirty="0"/>
           </a:p>
           <a:p>
             <a:r>
               <a:rPr lang="en-GB" dirty="0"/>
-              <a:t>B] </a:t>
-            </a:r>
-            <a:r>
-              <a:rPr lang="en-GB" dirty="0" smtClean="0"/>
-              <a:t>Kolkata</a:t>
-            </a:r>
+              <a:t>A] Agra</a:t>
+            </a:r>
+          </a:p>
+          <a:p>
+            <a:r>
+              <a:rPr lang="en-GB" dirty="0"/>
+              <a:t>B] Kolkata</a:t>
+            </a:r>
+          </a:p>
+          <a:p>
+            <a:r>
+              <a:rPr lang="en-GB" dirty="0"/>
+              <a:t>C] Lucknow</a:t>
+            </a:r>
+          </a:p>
+          <a:p>
+            <a:r>
+              <a:rPr lang="en-GB" dirty="0"/>
+              <a:t>D] Chandigarh</a:t>
+            </a:r>
+          </a:p>
+          <a:p>
             <a:endParaRPr lang="en-GB" dirty="0"/>
           </a:p>
           <a:p>
             <a:r>
               <a:rPr lang="en-GB" dirty="0"/>
-              <a:t>C] </a:t>
-            </a:r>
-            <a:r>
-              <a:rPr lang="en-GB" dirty="0" smtClean="0"/>
-              <a:t>Lucknow</a:t>
-            </a:r>
-            <a:endParaRPr lang="en-GB" dirty="0"/>
-          </a:p>
-          <a:p>
-            <a:r>
-              <a:rPr lang="en-GB" dirty="0"/>
-              <a:t>D] </a:t>
-            </a:r>
-            <a:r>
-              <a:rPr lang="en-GB" dirty="0" smtClean="0"/>
-              <a:t>Chandigarh</a:t>
-            </a:r>
-            <a:endParaRPr lang="en-GB" dirty="0"/>
-          </a:p>
-          <a:p>
-            <a:endParaRPr lang="en-GB" dirty="0"/>
-          </a:p>
-          <a:p>
-            <a:r>
-              <a:rPr lang="en-GB" dirty="0"/>
-              <a:t>Answer: </a:t>
-            </a:r>
-            <a:r>
-              <a:rPr lang="en-GB" dirty="0" smtClean="0"/>
-              <a:t>B</a:t>
-            </a:r>
-            <a:endParaRPr lang="en-GB" dirty="0"/>
+              <a:t>Answer: B</a:t>
+            </a:r>
           </a:p>
         </p:txBody>
       </p:sp>
@@ -4486,7 +4414,7 @@
           <p:cNvPr id="2" name="Text Placeholder 1">
             <a:extLst>
               <a:ext uri="{FF2B5EF4-FFF2-40B4-BE49-F238E27FC236}">
-                <a16:creationId xmlns:a16="http://schemas.microsoft.com/office/drawing/2014/main" xmlns="" id="{46A95D8F-F270-4CF2-8BEE-E44E068405F1}"/>
+                <a16:creationId xmlns:a16="http://schemas.microsoft.com/office/drawing/2014/main" id="{46A95D8F-F270-4CF2-8BEE-E44E068405F1}"/>
               </a:ext>
             </a:extLst>
           </p:cNvPr>
@@ -4515,7 +4443,7 @@
           <p:cNvPr id="3" name="Text Placeholder 2">
             <a:extLst>
               <a:ext uri="{FF2B5EF4-FFF2-40B4-BE49-F238E27FC236}">
-                <a16:creationId xmlns:a16="http://schemas.microsoft.com/office/drawing/2014/main" xmlns="" id="{F3E87830-0C8E-4281-BC45-6EDFB3D6F0C6}"/>
+                <a16:creationId xmlns:a16="http://schemas.microsoft.com/office/drawing/2014/main" id="{F3E87830-0C8E-4281-BC45-6EDFB3D6F0C6}"/>
               </a:ext>
             </a:extLst>
           </p:cNvPr>
@@ -4533,38 +4461,25 @@
           <a:p>
             <a:r>
               <a:rPr lang="en-US" dirty="0"/>
-              <a:t>Who is the builder</a:t>
-            </a:r>
-            <a:r>
-              <a:rPr lang="en-US" dirty="0" smtClean="0"/>
-              <a:t>?</a:t>
-            </a:r>
-          </a:p>
-          <a:p>
-            <a:endParaRPr lang="en-GB" dirty="0" smtClean="0"/>
-          </a:p>
-          <a:p>
-            <a:r>
-              <a:rPr lang="en-GB" dirty="0" smtClean="0"/>
-              <a:t>A</a:t>
-            </a:r>
-            <a:r>
-              <a:rPr lang="en-GB" dirty="0"/>
-              <a:t>] </a:t>
-            </a:r>
-            <a:r>
-              <a:rPr lang="en-GB" dirty="0" smtClean="0"/>
-              <a:t>Nitin</a:t>
-            </a:r>
+              <a:t>Who is the builder?</a:t>
+            </a:r>
+          </a:p>
+          <a:p>
             <a:endParaRPr lang="en-GB" dirty="0"/>
           </a:p>
           <a:p>
             <a:r>
               <a:rPr lang="en-GB" dirty="0"/>
+              <a:t>A] Nitin</a:t>
+            </a:r>
+          </a:p>
+          <a:p>
+            <a:r>
+              <a:rPr lang="en-GB" dirty="0"/>
               <a:t>B] </a:t>
             </a:r>
             <a:r>
-              <a:rPr lang="en-GB" dirty="0" err="1" smtClean="0"/>
+              <a:rPr lang="en-GB" dirty="0" err="1"/>
               <a:t>Javed</a:t>
             </a:r>
             <a:endParaRPr lang="en-GB" dirty="0"/>
@@ -4572,38 +4487,23 @@
           <a:p>
             <a:r>
               <a:rPr lang="en-GB" dirty="0"/>
-              <a:t>C] </a:t>
-            </a:r>
-            <a:r>
-              <a:rPr lang="en-GB" dirty="0" smtClean="0"/>
-              <a:t>Moni</a:t>
-            </a:r>
+              <a:t>C] Moni</a:t>
+            </a:r>
+          </a:p>
+          <a:p>
+            <a:r>
+              <a:rPr lang="en-GB" dirty="0"/>
+              <a:t>D] None of these</a:t>
+            </a:r>
+          </a:p>
+          <a:p>
             <a:endParaRPr lang="en-GB" dirty="0"/>
           </a:p>
           <a:p>
             <a:r>
               <a:rPr lang="en-GB" dirty="0"/>
-              <a:t>D] </a:t>
-            </a:r>
-            <a:r>
-              <a:rPr lang="en-GB" dirty="0" smtClean="0"/>
-              <a:t>None of these</a:t>
-            </a:r>
-            <a:endParaRPr lang="en-GB" dirty="0"/>
-          </a:p>
-          <a:p>
-            <a:endParaRPr lang="en-GB" dirty="0"/>
-          </a:p>
-          <a:p>
-            <a:r>
-              <a:rPr lang="en-GB" dirty="0"/>
-              <a:t>Answer: </a:t>
-            </a:r>
-            <a:r>
-              <a:rPr lang="en-GB" dirty="0" smtClean="0"/>
-              <a:t>D</a:t>
-            </a:r>
-            <a:endParaRPr lang="en-GB" dirty="0"/>
+              <a:t>Answer: D</a:t>
+            </a:r>
           </a:p>
         </p:txBody>
       </p:sp>
@@ -4653,10 +4553,9 @@
           <a:lstStyle/>
           <a:p>
             <a:r>
-              <a:rPr lang="en-US" dirty="0" smtClean="0"/>
+              <a:rPr lang="en-US" dirty="0"/>
               <a:t>Directions for 11 to 15</a:t>
             </a:r>
-            <a:endParaRPr lang="en-US" dirty="0"/>
           </a:p>
         </p:txBody>
       </p:sp>
@@ -4693,13 +4592,8 @@
             </a:r>
             <a:r>
               <a:rPr lang="en-US" dirty="0"/>
-              <a:t> has a weekly off on Monday and he works in the first shift. The one who has a weekly off on Sunday works in the first shift. Lina and Pia do not work in the same shift, Lina’s weekly off is on Tuesday</a:t>
-            </a:r>
-            <a:r>
-              <a:rPr lang="en-US" dirty="0" smtClean="0"/>
-              <a:t>.</a:t>
-            </a:r>
-            <a:endParaRPr lang="en-US" dirty="0"/>
+              <a:t> has a weekly off on Monday and he works in the first shift. The one who has a weekly off on Sunday works in the first shift. Lina and Pia do not work in the same shift, Lina’s weekly off is on Tuesday.</a:t>
+            </a:r>
           </a:p>
         </p:txBody>
       </p:sp>
@@ -4738,7 +4632,7 @@
           <p:cNvPr id="2" name="Text Placeholder 1">
             <a:extLst>
               <a:ext uri="{FF2B5EF4-FFF2-40B4-BE49-F238E27FC236}">
-                <a16:creationId xmlns:a16="http://schemas.microsoft.com/office/drawing/2014/main" xmlns="" id="{46A95D8F-F270-4CF2-8BEE-E44E068405F1}"/>
+                <a16:creationId xmlns:a16="http://schemas.microsoft.com/office/drawing/2014/main" id="{46A95D8F-F270-4CF2-8BEE-E44E068405F1}"/>
               </a:ext>
             </a:extLst>
           </p:cNvPr>
@@ -4767,7 +4661,7 @@
           <p:cNvPr id="3" name="Text Placeholder 2">
             <a:extLst>
               <a:ext uri="{FF2B5EF4-FFF2-40B4-BE49-F238E27FC236}">
-                <a16:creationId xmlns:a16="http://schemas.microsoft.com/office/drawing/2014/main" xmlns="" id="{F3E87830-0C8E-4281-BC45-6EDFB3D6F0C6}"/>
+                <a16:creationId xmlns:a16="http://schemas.microsoft.com/office/drawing/2014/main" id="{F3E87830-0C8E-4281-BC45-6EDFB3D6F0C6}"/>
               </a:ext>
             </a:extLst>
           </p:cNvPr>
@@ -4794,60 +4688,35 @@
           <a:p>
             <a:r>
               <a:rPr lang="en-GB" dirty="0"/>
-              <a:t>A] </a:t>
-            </a:r>
-            <a:r>
-              <a:rPr lang="en-GB" dirty="0" smtClean="0"/>
-              <a:t>Lina</a:t>
-            </a:r>
+              <a:t>A] Lina</a:t>
+            </a:r>
+          </a:p>
+          <a:p>
+            <a:r>
+              <a:rPr lang="en-GB" dirty="0"/>
+              <a:t>B] Mini</a:t>
+            </a:r>
+          </a:p>
+          <a:p>
+            <a:r>
+              <a:rPr lang="en-GB" dirty="0"/>
+              <a:t>C] Cannot be determined</a:t>
+            </a:r>
+          </a:p>
+          <a:p>
+            <a:r>
+              <a:rPr lang="en-GB" dirty="0"/>
+              <a:t>D] None of these</a:t>
+            </a:r>
+          </a:p>
+          <a:p>
             <a:endParaRPr lang="en-GB" dirty="0"/>
           </a:p>
           <a:p>
             <a:r>
               <a:rPr lang="en-GB" dirty="0"/>
-              <a:t>B] </a:t>
-            </a:r>
-            <a:r>
-              <a:rPr lang="en-GB" dirty="0" smtClean="0"/>
-              <a:t>Mini</a:t>
-            </a:r>
-            <a:endParaRPr lang="en-GB" dirty="0"/>
-          </a:p>
-          <a:p>
-            <a:r>
-              <a:rPr lang="en-GB" dirty="0"/>
-              <a:t>C] </a:t>
-            </a:r>
-            <a:r>
-              <a:rPr lang="en-GB" dirty="0" smtClean="0"/>
-              <a:t>Cannot be determined</a:t>
-            </a:r>
-            <a:endParaRPr lang="en-GB" dirty="0"/>
-          </a:p>
-          <a:p>
-            <a:r>
-              <a:rPr lang="en-GB" dirty="0"/>
-              <a:t>D] </a:t>
-            </a:r>
-            <a:r>
-              <a:rPr lang="en-GB" dirty="0" smtClean="0"/>
-              <a:t>None of these</a:t>
-            </a:r>
-            <a:endParaRPr lang="en-GB" dirty="0"/>
-          </a:p>
-          <a:p>
-            <a:endParaRPr lang="en-GB" dirty="0"/>
-          </a:p>
-          <a:p>
-            <a:r>
-              <a:rPr lang="en-GB" dirty="0"/>
-              <a:t>Answer: </a:t>
-            </a:r>
-            <a:r>
-              <a:rPr lang="en-GB" dirty="0" smtClean="0"/>
-              <a:t>D</a:t>
-            </a:r>
-            <a:endParaRPr lang="en-GB" dirty="0"/>
+              <a:t>Answer: D</a:t>
+            </a:r>
           </a:p>
         </p:txBody>
       </p:sp>
@@ -4886,7 +4755,7 @@
           <p:cNvPr id="2" name="Text Placeholder 1">
             <a:extLst>
               <a:ext uri="{FF2B5EF4-FFF2-40B4-BE49-F238E27FC236}">
-                <a16:creationId xmlns:a16="http://schemas.microsoft.com/office/drawing/2014/main" xmlns="" id="{46A95D8F-F270-4CF2-8BEE-E44E068405F1}"/>
+                <a16:creationId xmlns:a16="http://schemas.microsoft.com/office/drawing/2014/main" id="{46A95D8F-F270-4CF2-8BEE-E44E068405F1}"/>
               </a:ext>
             </a:extLst>
           </p:cNvPr>
@@ -4915,7 +4784,7 @@
           <p:cNvPr id="3" name="Text Placeholder 2">
             <a:extLst>
               <a:ext uri="{FF2B5EF4-FFF2-40B4-BE49-F238E27FC236}">
-                <a16:creationId xmlns:a16="http://schemas.microsoft.com/office/drawing/2014/main" xmlns="" id="{F3E87830-0C8E-4281-BC45-6EDFB3D6F0C6}"/>
+                <a16:creationId xmlns:a16="http://schemas.microsoft.com/office/drawing/2014/main" id="{F3E87830-0C8E-4281-BC45-6EDFB3D6F0C6}"/>
               </a:ext>
             </a:extLst>
           </p:cNvPr>
@@ -4937,16 +4806,12 @@
             </a:r>
           </a:p>
           <a:p>
-            <a:endParaRPr lang="en-GB" dirty="0" smtClean="0"/>
-          </a:p>
-          <a:p>
-            <a:r>
-              <a:rPr lang="en-GB" dirty="0" smtClean="0"/>
-              <a:t>A</a:t>
-            </a:r>
-            <a:r>
-              <a:rPr lang="en-GB" dirty="0"/>
-              <a:t>] </a:t>
+            <a:endParaRPr lang="en-GB" dirty="0"/>
+          </a:p>
+          <a:p>
+            <a:r>
+              <a:rPr lang="en-GB" dirty="0"/>
+              <a:t>A] </a:t>
             </a:r>
             <a:r>
               <a:rPr lang="en-US" dirty="0"/>
@@ -4993,13 +4858,8 @@
           <a:p>
             <a:r>
               <a:rPr lang="en-GB" dirty="0"/>
-              <a:t>Answer: </a:t>
-            </a:r>
-            <a:r>
-              <a:rPr lang="en-GB" dirty="0" smtClean="0"/>
-              <a:t>D</a:t>
-            </a:r>
-            <a:endParaRPr lang="en-GB" dirty="0"/>
+              <a:t>Answer: D</a:t>
+            </a:r>
           </a:p>
         </p:txBody>
       </p:sp>
@@ -5038,7 +4898,7 @@
           <p:cNvPr id="2" name="Text Placeholder 1">
             <a:extLst>
               <a:ext uri="{FF2B5EF4-FFF2-40B4-BE49-F238E27FC236}">
-                <a16:creationId xmlns:a16="http://schemas.microsoft.com/office/drawing/2014/main" xmlns="" id="{46A95D8F-F270-4CF2-8BEE-E44E068405F1}"/>
+                <a16:creationId xmlns:a16="http://schemas.microsoft.com/office/drawing/2014/main" id="{46A95D8F-F270-4CF2-8BEE-E44E068405F1}"/>
               </a:ext>
             </a:extLst>
           </p:cNvPr>
@@ -5067,7 +4927,7 @@
           <p:cNvPr id="3" name="Text Placeholder 2">
             <a:extLst>
               <a:ext uri="{FF2B5EF4-FFF2-40B4-BE49-F238E27FC236}">
-                <a16:creationId xmlns:a16="http://schemas.microsoft.com/office/drawing/2014/main" xmlns="" id="{F3E87830-0C8E-4281-BC45-6EDFB3D6F0C6}"/>
+                <a16:creationId xmlns:a16="http://schemas.microsoft.com/office/drawing/2014/main" id="{F3E87830-0C8E-4281-BC45-6EDFB3D6F0C6}"/>
               </a:ext>
             </a:extLst>
           </p:cNvPr>
@@ -5089,69 +4949,40 @@
             </a:r>
           </a:p>
           <a:p>
-            <a:endParaRPr lang="en-GB" dirty="0" smtClean="0"/>
-          </a:p>
-          <a:p>
-            <a:r>
-              <a:rPr lang="en-GB" dirty="0" smtClean="0"/>
-              <a:t>A</a:t>
-            </a:r>
-            <a:r>
-              <a:rPr lang="en-GB" dirty="0"/>
-              <a:t>] </a:t>
-            </a:r>
-            <a:r>
-              <a:rPr lang="en-GB" dirty="0" smtClean="0"/>
-              <a:t>Lina</a:t>
-            </a:r>
             <a:endParaRPr lang="en-GB" dirty="0"/>
           </a:p>
           <a:p>
             <a:r>
               <a:rPr lang="en-GB" dirty="0"/>
-              <a:t>B] </a:t>
-            </a:r>
-            <a:r>
-              <a:rPr lang="en-GB" dirty="0" smtClean="0"/>
-              <a:t>Mini</a:t>
-            </a:r>
+              <a:t>A] Lina</a:t>
+            </a:r>
+          </a:p>
+          <a:p>
+            <a:r>
+              <a:rPr lang="en-GB" dirty="0"/>
+              <a:t>B] Mini</a:t>
+            </a:r>
+          </a:p>
+          <a:p>
+            <a:r>
+              <a:rPr lang="en-GB" dirty="0"/>
+              <a:t>C] Nita</a:t>
+            </a:r>
+          </a:p>
+          <a:p>
+            <a:r>
+              <a:rPr lang="en-GB" dirty="0"/>
+              <a:t>D] Queen</a:t>
+            </a:r>
+          </a:p>
+          <a:p>
             <a:endParaRPr lang="en-GB" dirty="0"/>
           </a:p>
           <a:p>
             <a:r>
               <a:rPr lang="en-GB" dirty="0"/>
-              <a:t>C] </a:t>
-            </a:r>
-            <a:r>
-              <a:rPr lang="en-GB" dirty="0" smtClean="0"/>
-              <a:t>Nita</a:t>
-            </a:r>
-            <a:endParaRPr lang="en-GB" dirty="0"/>
-          </a:p>
-          <a:p>
-            <a:r>
-              <a:rPr lang="en-GB" dirty="0"/>
-              <a:t>D] </a:t>
-            </a:r>
-            <a:r>
-              <a:rPr lang="en-GB" dirty="0" smtClean="0"/>
-              <a:t>Queen</a:t>
-            </a:r>
-            <a:endParaRPr lang="en-GB" dirty="0"/>
-          </a:p>
-          <a:p>
-            <a:endParaRPr lang="en-GB" dirty="0"/>
-          </a:p>
-          <a:p>
-            <a:r>
-              <a:rPr lang="en-GB" dirty="0"/>
-              <a:t>Answer: </a:t>
-            </a:r>
-            <a:r>
-              <a:rPr lang="en-GB" dirty="0" smtClean="0"/>
-              <a:t>B</a:t>
-            </a:r>
-            <a:endParaRPr lang="en-GB" dirty="0"/>
+              <a:t>Answer: B</a:t>
+            </a:r>
           </a:p>
         </p:txBody>
       </p:sp>
@@ -5190,7 +5021,7 @@
           <p:cNvPr id="2" name="Text Placeholder 1">
             <a:extLst>
               <a:ext uri="{FF2B5EF4-FFF2-40B4-BE49-F238E27FC236}">
-                <a16:creationId xmlns:a16="http://schemas.microsoft.com/office/drawing/2014/main" xmlns="" id="{46A95D8F-F270-4CF2-8BEE-E44E068405F1}"/>
+                <a16:creationId xmlns:a16="http://schemas.microsoft.com/office/drawing/2014/main" id="{46A95D8F-F270-4CF2-8BEE-E44E068405F1}"/>
               </a:ext>
             </a:extLst>
           </p:cNvPr>
@@ -5219,7 +5050,7 @@
           <p:cNvPr id="3" name="Text Placeholder 2">
             <a:extLst>
               <a:ext uri="{FF2B5EF4-FFF2-40B4-BE49-F238E27FC236}">
-                <a16:creationId xmlns:a16="http://schemas.microsoft.com/office/drawing/2014/main" xmlns="" id="{F3E87830-0C8E-4281-BC45-6EDFB3D6F0C6}"/>
+                <a16:creationId xmlns:a16="http://schemas.microsoft.com/office/drawing/2014/main" id="{F3E87830-0C8E-4281-BC45-6EDFB3D6F0C6}"/>
               </a:ext>
             </a:extLst>
           </p:cNvPr>
@@ -5249,69 +5080,40 @@
             </a:r>
           </a:p>
           <a:p>
-            <a:endParaRPr lang="en-GB" dirty="0" smtClean="0"/>
-          </a:p>
-          <a:p>
-            <a:r>
-              <a:rPr lang="en-GB" dirty="0" smtClean="0"/>
-              <a:t>A</a:t>
-            </a:r>
-            <a:r>
-              <a:rPr lang="en-GB" dirty="0"/>
-              <a:t>] </a:t>
-            </a:r>
-            <a:r>
-              <a:rPr lang="en-GB" dirty="0" smtClean="0"/>
-              <a:t>Monday</a:t>
-            </a:r>
             <a:endParaRPr lang="en-GB" dirty="0"/>
           </a:p>
           <a:p>
             <a:r>
               <a:rPr lang="en-GB" dirty="0"/>
-              <a:t>B] </a:t>
-            </a:r>
-            <a:r>
-              <a:rPr lang="en-GB" dirty="0" smtClean="0"/>
-              <a:t>Wednesday</a:t>
-            </a:r>
+              <a:t>A] Monday</a:t>
+            </a:r>
+          </a:p>
+          <a:p>
+            <a:r>
+              <a:rPr lang="en-GB" dirty="0"/>
+              <a:t>B] Wednesday</a:t>
+            </a:r>
+          </a:p>
+          <a:p>
+            <a:r>
+              <a:rPr lang="en-GB" dirty="0"/>
+              <a:t>C] Sunday</a:t>
+            </a:r>
+          </a:p>
+          <a:p>
+            <a:r>
+              <a:rPr lang="en-GB" dirty="0"/>
+              <a:t>D] Tuesday</a:t>
+            </a:r>
+          </a:p>
+          <a:p>
             <a:endParaRPr lang="en-GB" dirty="0"/>
           </a:p>
           <a:p>
             <a:r>
               <a:rPr lang="en-GB" dirty="0"/>
-              <a:t>C] </a:t>
-            </a:r>
-            <a:r>
-              <a:rPr lang="en-GB" dirty="0" smtClean="0"/>
-              <a:t>Sunday</a:t>
-            </a:r>
-            <a:endParaRPr lang="en-GB" dirty="0"/>
-          </a:p>
-          <a:p>
-            <a:r>
-              <a:rPr lang="en-GB" dirty="0"/>
-              <a:t>D] </a:t>
-            </a:r>
-            <a:r>
-              <a:rPr lang="en-GB" dirty="0" smtClean="0"/>
-              <a:t>Tuesday</a:t>
-            </a:r>
-            <a:endParaRPr lang="en-GB" dirty="0"/>
-          </a:p>
-          <a:p>
-            <a:endParaRPr lang="en-GB" dirty="0"/>
-          </a:p>
-          <a:p>
-            <a:r>
-              <a:rPr lang="en-GB" dirty="0"/>
-              <a:t>Answer: </a:t>
-            </a:r>
-            <a:r>
-              <a:rPr lang="en-GB" dirty="0" smtClean="0"/>
-              <a:t>A</a:t>
-            </a:r>
-            <a:endParaRPr lang="en-GB" dirty="0"/>
+              <a:t>Answer: A</a:t>
+            </a:r>
           </a:p>
         </p:txBody>
       </p:sp>
@@ -5350,7 +5152,7 @@
           <p:cNvPr id="2" name="Text Placeholder 1">
             <a:extLst>
               <a:ext uri="{FF2B5EF4-FFF2-40B4-BE49-F238E27FC236}">
-                <a16:creationId xmlns:a16="http://schemas.microsoft.com/office/drawing/2014/main" xmlns="" id="{46A95D8F-F270-4CF2-8BEE-E44E068405F1}"/>
+                <a16:creationId xmlns:a16="http://schemas.microsoft.com/office/drawing/2014/main" id="{46A95D8F-F270-4CF2-8BEE-E44E068405F1}"/>
               </a:ext>
             </a:extLst>
           </p:cNvPr>
@@ -5379,7 +5181,7 @@
           <p:cNvPr id="3" name="Text Placeholder 2">
             <a:extLst>
               <a:ext uri="{FF2B5EF4-FFF2-40B4-BE49-F238E27FC236}">
-                <a16:creationId xmlns:a16="http://schemas.microsoft.com/office/drawing/2014/main" xmlns="" id="{F3E87830-0C8E-4281-BC45-6EDFB3D6F0C6}"/>
+                <a16:creationId xmlns:a16="http://schemas.microsoft.com/office/drawing/2014/main" id="{F3E87830-0C8E-4281-BC45-6EDFB3D6F0C6}"/>
               </a:ext>
             </a:extLst>
           </p:cNvPr>
@@ -5399,19 +5201,14 @@
               <a:rPr lang="en-US" dirty="0"/>
               <a:t>Which of the following group of officers work in shift I? </a:t>
             </a:r>
-            <a:endParaRPr lang="en-US" dirty="0" smtClean="0"/>
           </a:p>
           <a:p>
             <a:endParaRPr lang="en-US" dirty="0"/>
           </a:p>
           <a:p>
             <a:r>
-              <a:rPr lang="en-US" dirty="0" smtClean="0"/>
-              <a:t>A</a:t>
-            </a:r>
-            <a:r>
-              <a:rPr lang="en-US" dirty="0"/>
-              <a:t>] Lina, Nita, </a:t>
+              <a:rPr lang="en-US" dirty="0"/>
+              <a:t>A] Lina, Nita, </a:t>
             </a:r>
             <a:r>
               <a:rPr lang="en-US" dirty="0" err="1"/>
@@ -5462,20 +5259,16 @@
             <a:endParaRPr lang="en-US" dirty="0"/>
           </a:p>
           <a:p>
-            <a:endParaRPr lang="en-GB" dirty="0" smtClean="0"/>
-          </a:p>
-          <a:p>
-            <a:r>
-              <a:rPr lang="en-GB" dirty="0" smtClean="0"/>
+            <a:endParaRPr lang="en-GB" dirty="0"/>
+          </a:p>
+          <a:p>
+            <a:r>
+              <a:rPr lang="en-GB" dirty="0"/>
               <a:t>Answer</a:t>
             </a:r>
             <a:r>
               <a:rPr lang="en-GB"/>
-              <a:t>: </a:t>
-            </a:r>
-            <a:r>
-              <a:rPr lang="en-GB" smtClean="0"/>
-              <a:t>A</a:t>
+              <a:t>: A</a:t>
             </a:r>
             <a:endParaRPr lang="en-GB" dirty="0"/>
           </a:p>
@@ -5527,10 +5320,9 @@
           <a:lstStyle/>
           <a:p>
             <a:r>
-              <a:rPr lang="en-US" dirty="0" smtClean="0"/>
+              <a:rPr lang="en-US" dirty="0"/>
               <a:t>Directions for 1 to 5</a:t>
             </a:r>
-            <a:endParaRPr lang="en-US" dirty="0"/>
           </a:p>
         </p:txBody>
       </p:sp>
@@ -5544,30 +5336,19 @@
             <p:ph type="body" sz="quarter" idx="11"/>
           </p:nvPr>
         </p:nvSpPr>
-        <p:spPr/>
+        <p:spPr>
+          <a:xfrm>
+            <a:off x="0" y="1789886"/>
+            <a:ext cx="9475304" cy="2649600"/>
+          </a:xfrm>
+        </p:spPr>
         <p:txBody>
           <a:bodyPr/>
           <a:lstStyle/>
           <a:p>
             <a:r>
               <a:rPr lang="en-US" dirty="0"/>
-              <a:t>Anil, </a:t>
-            </a:r>
-            <a:r>
-              <a:rPr lang="en-US" dirty="0" err="1"/>
-              <a:t>Pritam</a:t>
-            </a:r>
-            <a:r>
-              <a:rPr lang="en-US" dirty="0"/>
-              <a:t>, </a:t>
-            </a:r>
-            <a:r>
-              <a:rPr lang="en-US" dirty="0" err="1"/>
-              <a:t>Sudesh</a:t>
-            </a:r>
-            <a:r>
-              <a:rPr lang="en-US" dirty="0"/>
-              <a:t>, Rashmi, </a:t>
+              <a:t>Anil, Pritam, Sudesh, Rashmi, </a:t>
             </a:r>
             <a:r>
               <a:rPr lang="en-US" dirty="0" err="1"/>
@@ -5591,7 +5372,13 @@
             </a:r>
             <a:r>
               <a:rPr lang="en-US" dirty="0"/>
-              <a:t> are sitting around a circle facing the centre. Anil is third to the left of </a:t>
+              <a:t> are sitting around a circle facing the centre. </a:t>
+            </a:r>
+          </a:p>
+          <a:p>
+            <a:r>
+              <a:rPr lang="en-US" dirty="0"/>
+              <a:t>Anil is third to the left of </a:t>
             </a:r>
             <a:r>
               <a:rPr lang="en-US" dirty="0" err="1"/>
@@ -5599,15 +5386,14 @@
             </a:r>
             <a:r>
               <a:rPr lang="en-US" dirty="0"/>
-              <a:t> and to the immediate right of Rashmi. </a:t>
-            </a:r>
-            <a:r>
-              <a:rPr lang="en-US" dirty="0" err="1"/>
-              <a:t>Pritam</a:t>
-            </a:r>
-            <a:r>
-              <a:rPr lang="en-US" dirty="0"/>
-              <a:t> is second to the left of </a:t>
+              <a:t> and to the immediate right of Rashmi.</a:t>
+            </a:r>
+            <a:br>
+              <a:rPr lang="en-US" dirty="0"/>
+            </a:br>
+            <a:r>
+              <a:rPr lang="en-US" dirty="0"/>
+              <a:t>Pritam is second to the left of </a:t>
             </a:r>
             <a:r>
               <a:rPr lang="en-US" dirty="0" err="1"/>
@@ -5630,10 +5416,9 @@
               <a:t>Mitali</a:t>
             </a:r>
             <a:r>
-              <a:rPr lang="en-US" dirty="0" smtClean="0"/>
+              <a:rPr lang="en-US" dirty="0"/>
               <a:t>.</a:t>
             </a:r>
-            <a:endParaRPr lang="en-US" dirty="0"/>
           </a:p>
         </p:txBody>
       </p:sp>
@@ -5672,7 +5457,7 @@
           <p:cNvPr id="2" name="Text Placeholder 1">
             <a:extLst>
               <a:ext uri="{FF2B5EF4-FFF2-40B4-BE49-F238E27FC236}">
-                <a16:creationId xmlns:a16="http://schemas.microsoft.com/office/drawing/2014/main" xmlns="" id="{46A95D8F-F270-4CF2-8BEE-E44E068405F1}"/>
+                <a16:creationId xmlns:a16="http://schemas.microsoft.com/office/drawing/2014/main" id="{46A95D8F-F270-4CF2-8BEE-E44E068405F1}"/>
               </a:ext>
             </a:extLst>
           </p:cNvPr>
@@ -5701,7 +5486,7 @@
           <p:cNvPr id="3" name="Text Placeholder 2">
             <a:extLst>
               <a:ext uri="{FF2B5EF4-FFF2-40B4-BE49-F238E27FC236}">
-                <a16:creationId xmlns:a16="http://schemas.microsoft.com/office/drawing/2014/main" xmlns="" id="{F3E87830-0C8E-4281-BC45-6EDFB3D6F0C6}"/>
+                <a16:creationId xmlns:a16="http://schemas.microsoft.com/office/drawing/2014/main" id="{F3E87830-0C8E-4281-BC45-6EDFB3D6F0C6}"/>
               </a:ext>
             </a:extLst>
           </p:cNvPr>
@@ -5726,24 +5511,20 @@
               <a:t>Pritam</a:t>
             </a:r>
             <a:r>
-              <a:rPr lang="en-US" dirty="0" smtClean="0"/>
+              <a:rPr lang="en-US" dirty="0"/>
               <a:t>?</a:t>
             </a:r>
           </a:p>
           <a:p>
-            <a:endParaRPr lang="en-GB" dirty="0" smtClean="0"/>
-          </a:p>
-          <a:p>
-            <a:r>
-              <a:rPr lang="en-GB" dirty="0" smtClean="0"/>
-              <a:t>A</a:t>
-            </a:r>
-            <a:r>
-              <a:rPr lang="en-GB" dirty="0"/>
-              <a:t>] </a:t>
-            </a:r>
-            <a:r>
-              <a:rPr lang="en-GB" dirty="0" err="1" smtClean="0"/>
+            <a:endParaRPr lang="en-GB" dirty="0"/>
+          </a:p>
+          <a:p>
+            <a:r>
+              <a:rPr lang="en-GB" dirty="0"/>
+              <a:t>A] </a:t>
+            </a:r>
+            <a:r>
+              <a:rPr lang="en-GB" dirty="0" err="1"/>
               <a:t>Mitali</a:t>
             </a:r>
             <a:endParaRPr lang="en-GB" dirty="0"/>
@@ -5754,7 +5535,7 @@
               <a:t>B] </a:t>
             </a:r>
             <a:r>
-              <a:rPr lang="en-GB" dirty="0" err="1" smtClean="0"/>
+              <a:rPr lang="en-GB" dirty="0" err="1"/>
               <a:t>Sudesh</a:t>
             </a:r>
             <a:endParaRPr lang="en-GB" dirty="0"/>
@@ -5765,7 +5546,7 @@
               <a:t>C] </a:t>
             </a:r>
             <a:r>
-              <a:rPr lang="en-GB" dirty="0" err="1" smtClean="0"/>
+              <a:rPr lang="en-GB" dirty="0" err="1"/>
               <a:t>Yukta</a:t>
             </a:r>
             <a:endParaRPr lang="en-GB" dirty="0"/>
@@ -5787,13 +5568,8 @@
           <a:p>
             <a:r>
               <a:rPr lang="en-GB" dirty="0"/>
-              <a:t>Answer: </a:t>
-            </a:r>
-            <a:r>
-              <a:rPr lang="en-GB" dirty="0" smtClean="0"/>
-              <a:t>A</a:t>
-            </a:r>
-            <a:endParaRPr lang="en-GB" dirty="0"/>
+              <a:t>Answer: A</a:t>
+            </a:r>
           </a:p>
         </p:txBody>
       </p:sp>
@@ -5832,7 +5608,7 @@
           <p:cNvPr id="2" name="Text Placeholder 1">
             <a:extLst>
               <a:ext uri="{FF2B5EF4-FFF2-40B4-BE49-F238E27FC236}">
-                <a16:creationId xmlns:a16="http://schemas.microsoft.com/office/drawing/2014/main" xmlns="" id="{46A95D8F-F270-4CF2-8BEE-E44E068405F1}"/>
+                <a16:creationId xmlns:a16="http://schemas.microsoft.com/office/drawing/2014/main" id="{46A95D8F-F270-4CF2-8BEE-E44E068405F1}"/>
               </a:ext>
             </a:extLst>
           </p:cNvPr>
@@ -5861,7 +5637,7 @@
           <p:cNvPr id="3" name="Text Placeholder 2">
             <a:extLst>
               <a:ext uri="{FF2B5EF4-FFF2-40B4-BE49-F238E27FC236}">
-                <a16:creationId xmlns:a16="http://schemas.microsoft.com/office/drawing/2014/main" xmlns="" id="{F3E87830-0C8E-4281-BC45-6EDFB3D6F0C6}"/>
+                <a16:creationId xmlns:a16="http://schemas.microsoft.com/office/drawing/2014/main" id="{F3E87830-0C8E-4281-BC45-6EDFB3D6F0C6}"/>
               </a:ext>
             </a:extLst>
           </p:cNvPr>
@@ -5909,60 +5685,50 @@
           <a:p>
             <a:r>
               <a:rPr lang="en-GB" dirty="0"/>
-              <a:t>A] </a:t>
-            </a:r>
-            <a:r>
-              <a:rPr lang="en-GB" dirty="0" smtClean="0"/>
-              <a:t>Anil</a:t>
+              <a:t>A] Anil</a:t>
+            </a:r>
+          </a:p>
+          <a:p>
+            <a:r>
+              <a:rPr lang="en-GB" dirty="0"/>
+              <a:t>B] </a:t>
+            </a:r>
+            <a:r>
+              <a:rPr lang="en-GB" dirty="0" err="1"/>
+              <a:t>Mitali</a:t>
             </a:r>
             <a:endParaRPr lang="en-GB" dirty="0"/>
           </a:p>
           <a:p>
             <a:r>
               <a:rPr lang="en-GB" dirty="0"/>
-              <a:t>B] </a:t>
-            </a:r>
-            <a:r>
-              <a:rPr lang="en-GB" dirty="0" err="1" smtClean="0"/>
-              <a:t>Mitali</a:t>
+              <a:t>C] </a:t>
+            </a:r>
+            <a:r>
+              <a:rPr lang="en-GB" dirty="0" err="1"/>
+              <a:t>Pritam</a:t>
             </a:r>
             <a:endParaRPr lang="en-GB" dirty="0"/>
           </a:p>
           <a:p>
             <a:r>
               <a:rPr lang="en-GB" dirty="0"/>
-              <a:t>C] </a:t>
-            </a:r>
-            <a:r>
-              <a:rPr lang="en-GB" dirty="0" err="1" smtClean="0"/>
-              <a:t>Pritam</a:t>
+              <a:t>D] </a:t>
+            </a:r>
+            <a:r>
+              <a:rPr lang="en-GB" dirty="0" err="1"/>
+              <a:t>Sudesh</a:t>
             </a:r>
             <a:endParaRPr lang="en-GB" dirty="0"/>
           </a:p>
           <a:p>
-            <a:r>
-              <a:rPr lang="en-GB" dirty="0"/>
-              <a:t>D] </a:t>
-            </a:r>
-            <a:r>
-              <a:rPr lang="en-GB" dirty="0" err="1" smtClean="0"/>
-              <a:t>Sudesh</a:t>
-            </a:r>
             <a:endParaRPr lang="en-GB" dirty="0"/>
           </a:p>
           <a:p>
-            <a:endParaRPr lang="en-GB" dirty="0"/>
-          </a:p>
-          <a:p>
-            <a:r>
-              <a:rPr lang="en-GB" dirty="0"/>
-              <a:t>Answer: </a:t>
-            </a:r>
-            <a:r>
-              <a:rPr lang="en-GB" dirty="0" smtClean="0"/>
-              <a:t>B</a:t>
-            </a:r>
-            <a:endParaRPr lang="en-GB" dirty="0"/>
+            <a:r>
+              <a:rPr lang="en-GB" dirty="0"/>
+              <a:t>Answer: B</a:t>
+            </a:r>
           </a:p>
         </p:txBody>
       </p:sp>
@@ -6001,7 +5767,7 @@
           <p:cNvPr id="2" name="Text Placeholder 1">
             <a:extLst>
               <a:ext uri="{FF2B5EF4-FFF2-40B4-BE49-F238E27FC236}">
-                <a16:creationId xmlns:a16="http://schemas.microsoft.com/office/drawing/2014/main" xmlns="" id="{46A95D8F-F270-4CF2-8BEE-E44E068405F1}"/>
+                <a16:creationId xmlns:a16="http://schemas.microsoft.com/office/drawing/2014/main" id="{46A95D8F-F270-4CF2-8BEE-E44E068405F1}"/>
               </a:ext>
             </a:extLst>
           </p:cNvPr>
@@ -6030,7 +5796,7 @@
           <p:cNvPr id="3" name="Text Placeholder 2">
             <a:extLst>
               <a:ext uri="{FF2B5EF4-FFF2-40B4-BE49-F238E27FC236}">
-                <a16:creationId xmlns:a16="http://schemas.microsoft.com/office/drawing/2014/main" xmlns="" id="{F3E87830-0C8E-4281-BC45-6EDFB3D6F0C6}"/>
+                <a16:creationId xmlns:a16="http://schemas.microsoft.com/office/drawing/2014/main" id="{F3E87830-0C8E-4281-BC45-6EDFB3D6F0C6}"/>
               </a:ext>
             </a:extLst>
           </p:cNvPr>
@@ -6048,31 +5814,19 @@
           <a:p>
             <a:r>
               <a:rPr lang="en-US" dirty="0"/>
-              <a:t>Which of the following pairs of persons has the first person sitting to the immediate right of the second person</a:t>
-            </a:r>
-            <a:r>
-              <a:rPr lang="en-US" dirty="0" smtClean="0"/>
-              <a:t>?</a:t>
-            </a:r>
-          </a:p>
-          <a:p>
-            <a:endParaRPr lang="en-GB" dirty="0" smtClean="0"/>
-          </a:p>
-          <a:p>
-            <a:r>
-              <a:rPr lang="en-GB" dirty="0" smtClean="0"/>
-              <a:t>A</a:t>
-            </a:r>
-            <a:r>
-              <a:rPr lang="en-GB" dirty="0"/>
-              <a:t>] </a:t>
-            </a:r>
-            <a:r>
-              <a:rPr lang="en-GB" dirty="0" smtClean="0"/>
-              <a:t>Rashmi - </a:t>
-            </a:r>
-            <a:r>
-              <a:rPr lang="en-GB" dirty="0" err="1" smtClean="0"/>
+              <a:t>Which of the following pairs of persons has the first person sitting to the immediate right of the second person?</a:t>
+            </a:r>
+          </a:p>
+          <a:p>
+            <a:endParaRPr lang="en-GB" dirty="0"/>
+          </a:p>
+          <a:p>
+            <a:r>
+              <a:rPr lang="en-GB" dirty="0"/>
+              <a:t>A] Rashmi - </a:t>
+            </a:r>
+            <a:r>
+              <a:rPr lang="en-GB" dirty="0" err="1"/>
               <a:t>Mitali</a:t>
             </a:r>
             <a:endParaRPr lang="en-GB" dirty="0"/>
@@ -6080,14 +5834,10 @@
           <a:p>
             <a:r>
               <a:rPr lang="en-GB" dirty="0"/>
-              <a:t>B] </a:t>
-            </a:r>
-            <a:r>
-              <a:rPr lang="en-GB" dirty="0" smtClean="0"/>
-              <a:t>Anil - </a:t>
-            </a:r>
-            <a:r>
-              <a:rPr lang="en-GB" dirty="0" err="1" smtClean="0"/>
+              <a:t>B] Anil - </a:t>
+            </a:r>
+            <a:r>
+              <a:rPr lang="en-GB" dirty="0" err="1"/>
               <a:t>Gitali</a:t>
             </a:r>
             <a:endParaRPr lang="en-GB" dirty="0"/>
@@ -6098,15 +5848,15 @@
               <a:t>C] </a:t>
             </a:r>
             <a:r>
-              <a:rPr lang="en-GB" dirty="0" err="1" smtClean="0"/>
+              <a:rPr lang="en-GB" dirty="0" err="1"/>
               <a:t>Sudesh</a:t>
             </a:r>
             <a:r>
-              <a:rPr lang="en-GB" dirty="0" smtClean="0"/>
+              <a:rPr lang="en-GB" dirty="0"/>
               <a:t> - </a:t>
             </a:r>
             <a:r>
-              <a:rPr lang="en-GB" dirty="0" err="1" smtClean="0"/>
+              <a:rPr lang="en-GB" dirty="0" err="1"/>
               <a:t>Pritam</a:t>
             </a:r>
             <a:endParaRPr lang="en-GB" dirty="0"/>
@@ -6127,7 +5877,7 @@
           </a:p>
           <a:p>
             <a:r>
-              <a:rPr lang="en-GB" dirty="0" err="1" smtClean="0"/>
+              <a:rPr lang="en-GB" dirty="0" err="1"/>
               <a:t>Answer:D</a:t>
             </a:r>
             <a:endParaRPr lang="en-GB" dirty="0"/>
@@ -6169,7 +5919,7 @@
           <p:cNvPr id="2" name="Text Placeholder 1">
             <a:extLst>
               <a:ext uri="{FF2B5EF4-FFF2-40B4-BE49-F238E27FC236}">
-                <a16:creationId xmlns:a16="http://schemas.microsoft.com/office/drawing/2014/main" xmlns="" id="{46A95D8F-F270-4CF2-8BEE-E44E068405F1}"/>
+                <a16:creationId xmlns:a16="http://schemas.microsoft.com/office/drawing/2014/main" id="{46A95D8F-F270-4CF2-8BEE-E44E068405F1}"/>
               </a:ext>
             </a:extLst>
           </p:cNvPr>
@@ -6198,7 +5948,7 @@
           <p:cNvPr id="3" name="Text Placeholder 2">
             <a:extLst>
               <a:ext uri="{FF2B5EF4-FFF2-40B4-BE49-F238E27FC236}">
-                <a16:creationId xmlns:a16="http://schemas.microsoft.com/office/drawing/2014/main" xmlns="" id="{F3E87830-0C8E-4281-BC45-6EDFB3D6F0C6}"/>
+                <a16:creationId xmlns:a16="http://schemas.microsoft.com/office/drawing/2014/main" id="{F3E87830-0C8E-4281-BC45-6EDFB3D6F0C6}"/>
               </a:ext>
             </a:extLst>
           </p:cNvPr>
@@ -6216,35 +5966,27 @@
           <a:p>
             <a:r>
               <a:rPr lang="en-US" dirty="0"/>
-              <a:t>Which of the following groups has the first person sitting between the other two</a:t>
-            </a:r>
-            <a:r>
-              <a:rPr lang="en-US" dirty="0" smtClean="0"/>
-              <a:t>?</a:t>
-            </a:r>
-          </a:p>
-          <a:p>
-            <a:endParaRPr lang="en-GB" dirty="0" smtClean="0"/>
-          </a:p>
-          <a:p>
-            <a:r>
-              <a:rPr lang="en-GB" dirty="0" smtClean="0"/>
-              <a:t>A</a:t>
-            </a:r>
-            <a:r>
-              <a:rPr lang="en-GB" dirty="0"/>
-              <a:t>] </a:t>
-            </a:r>
-            <a:r>
-              <a:rPr lang="en-GB" dirty="0" err="1" smtClean="0"/>
+              <a:t>Which of the following groups has the first person sitting between the other two?</a:t>
+            </a:r>
+          </a:p>
+          <a:p>
+            <a:endParaRPr lang="en-GB" dirty="0"/>
+          </a:p>
+          <a:p>
+            <a:r>
+              <a:rPr lang="en-GB" dirty="0"/>
+              <a:t>A] </a:t>
+            </a:r>
+            <a:r>
+              <a:rPr lang="en-GB" dirty="0" err="1"/>
               <a:t>Mitali</a:t>
             </a:r>
             <a:r>
-              <a:rPr lang="en-GB" dirty="0" smtClean="0"/>
+              <a:rPr lang="en-GB" dirty="0"/>
               <a:t>-Anil-</a:t>
             </a:r>
             <a:r>
-              <a:rPr lang="en-GB" dirty="0" err="1" smtClean="0"/>
+              <a:rPr lang="en-GB" dirty="0" err="1"/>
               <a:t>Gitali</a:t>
             </a:r>
             <a:endParaRPr lang="en-GB" dirty="0"/>
@@ -6255,15 +5997,15 @@
               <a:t>B] </a:t>
             </a:r>
             <a:r>
-              <a:rPr lang="en-GB" dirty="0" err="1" smtClean="0"/>
+              <a:rPr lang="en-GB" dirty="0" err="1"/>
               <a:t>Sudesh</a:t>
             </a:r>
             <a:r>
-              <a:rPr lang="en-GB" dirty="0" smtClean="0"/>
+              <a:rPr lang="en-GB" dirty="0"/>
               <a:t>-Rashmi-</a:t>
             </a:r>
             <a:r>
-              <a:rPr lang="en-GB" dirty="0" err="1" smtClean="0"/>
+              <a:rPr lang="en-GB" dirty="0" err="1"/>
               <a:t>Gitali</a:t>
             </a:r>
             <a:endParaRPr lang="en-GB" dirty="0"/>
@@ -6271,54 +6013,39 @@
           <a:p>
             <a:r>
               <a:rPr lang="en-GB" dirty="0"/>
-              <a:t>C</a:t>
-            </a:r>
-            <a:r>
-              <a:rPr lang="en-GB" dirty="0" smtClean="0"/>
-              <a:t>] </a:t>
-            </a:r>
-            <a:r>
-              <a:rPr lang="en-GB" dirty="0" err="1" smtClean="0"/>
+              <a:t>C] </a:t>
+            </a:r>
+            <a:r>
+              <a:rPr lang="en-GB" dirty="0" err="1"/>
               <a:t>Yukta</a:t>
             </a:r>
             <a:r>
-              <a:rPr lang="en-GB" dirty="0" smtClean="0"/>
+              <a:rPr lang="en-GB" dirty="0"/>
               <a:t>- </a:t>
             </a:r>
             <a:r>
-              <a:rPr lang="en-GB" dirty="0" err="1" smtClean="0"/>
+              <a:rPr lang="en-GB" dirty="0" err="1"/>
               <a:t>Pritam</a:t>
             </a:r>
             <a:r>
-              <a:rPr lang="en-GB" dirty="0" smtClean="0"/>
+              <a:rPr lang="en-GB" dirty="0"/>
               <a:t> - Rashmi</a:t>
             </a:r>
+          </a:p>
+          <a:p>
+            <a:r>
+              <a:rPr lang="en-GB" dirty="0"/>
+              <a:t>D] None of these</a:t>
+            </a:r>
+          </a:p>
+          <a:p>
             <a:endParaRPr lang="en-GB" dirty="0"/>
           </a:p>
           <a:p>
             <a:r>
               <a:rPr lang="en-GB" dirty="0"/>
-              <a:t>D] </a:t>
-            </a:r>
-            <a:r>
-              <a:rPr lang="en-GB" dirty="0" smtClean="0"/>
-              <a:t>None of these</a:t>
-            </a:r>
-            <a:endParaRPr lang="en-GB" dirty="0"/>
-          </a:p>
-          <a:p>
-            <a:endParaRPr lang="en-GB" dirty="0"/>
-          </a:p>
-          <a:p>
-            <a:r>
-              <a:rPr lang="en-GB" dirty="0"/>
-              <a:t>Answer</a:t>
-            </a:r>
-            <a:r>
-              <a:rPr lang="en-GB" dirty="0" smtClean="0"/>
-              <a:t>: B</a:t>
-            </a:r>
-            <a:endParaRPr lang="en-GB" dirty="0"/>
+              <a:t>Answer: B</a:t>
+            </a:r>
           </a:p>
         </p:txBody>
       </p:sp>
@@ -6357,7 +6084,7 @@
           <p:cNvPr id="2" name="Text Placeholder 1">
             <a:extLst>
               <a:ext uri="{FF2B5EF4-FFF2-40B4-BE49-F238E27FC236}">
-                <a16:creationId xmlns:a16="http://schemas.microsoft.com/office/drawing/2014/main" xmlns="" id="{46A95D8F-F270-4CF2-8BEE-E44E068405F1}"/>
+                <a16:creationId xmlns:a16="http://schemas.microsoft.com/office/drawing/2014/main" id="{46A95D8F-F270-4CF2-8BEE-E44E068405F1}"/>
               </a:ext>
             </a:extLst>
           </p:cNvPr>
@@ -6386,7 +6113,7 @@
           <p:cNvPr id="3" name="Text Placeholder 2">
             <a:extLst>
               <a:ext uri="{FF2B5EF4-FFF2-40B4-BE49-F238E27FC236}">
-                <a16:creationId xmlns:a16="http://schemas.microsoft.com/office/drawing/2014/main" xmlns="" id="{F3E87830-0C8E-4281-BC45-6EDFB3D6F0C6}"/>
+                <a16:creationId xmlns:a16="http://schemas.microsoft.com/office/drawing/2014/main" id="{F3E87830-0C8E-4281-BC45-6EDFB3D6F0C6}"/>
               </a:ext>
             </a:extLst>
           </p:cNvPr>
@@ -6419,93 +6146,53 @@
               <a:rPr lang="en-US" dirty="0"/>
               <a:t>? </a:t>
             </a:r>
-            <a:endParaRPr lang="en-US" dirty="0" smtClean="0"/>
-          </a:p>
-          <a:p>
-            <a:r>
-              <a:rPr lang="en-US" dirty="0" smtClean="0"/>
-              <a:t>(I) Second </a:t>
-            </a:r>
-            <a:r>
-              <a:rPr lang="en-US" dirty="0"/>
-              <a:t>to the left </a:t>
-            </a:r>
-            <a:endParaRPr lang="en-US" dirty="0" smtClean="0"/>
-          </a:p>
-          <a:p>
-            <a:r>
-              <a:rPr lang="en-US" dirty="0" smtClean="0"/>
-              <a:t>(</a:t>
-            </a:r>
-            <a:r>
-              <a:rPr lang="en-US" dirty="0"/>
-              <a:t>II) Third to the left </a:t>
-            </a:r>
-            <a:endParaRPr lang="en-US" dirty="0" smtClean="0"/>
-          </a:p>
-          <a:p>
-            <a:r>
-              <a:rPr lang="en-US" dirty="0" smtClean="0"/>
-              <a:t>(</a:t>
-            </a:r>
-            <a:r>
-              <a:rPr lang="en-US" dirty="0"/>
-              <a:t>III) Fifth to the right </a:t>
-            </a:r>
-            <a:endParaRPr lang="en-US" dirty="0" smtClean="0"/>
-          </a:p>
-          <a:p>
-            <a:r>
-              <a:rPr lang="en-US" dirty="0" smtClean="0"/>
-              <a:t>(</a:t>
-            </a:r>
-            <a:r>
-              <a:rPr lang="en-US" dirty="0"/>
-              <a:t>IV) Fourth to the </a:t>
-            </a:r>
-            <a:r>
-              <a:rPr lang="en-US" dirty="0" smtClean="0"/>
-              <a:t>right</a:t>
-            </a:r>
-          </a:p>
-          <a:p>
-            <a:endParaRPr lang="en-GB" dirty="0" smtClean="0"/>
-          </a:p>
-          <a:p>
-            <a:r>
-              <a:rPr lang="en-GB" dirty="0" smtClean="0"/>
-              <a:t>A</a:t>
-            </a:r>
-            <a:r>
-              <a:rPr lang="en-GB" dirty="0"/>
-              <a:t>] </a:t>
-            </a:r>
-            <a:r>
-              <a:rPr lang="en-US" dirty="0"/>
-              <a:t>(I) </a:t>
-            </a:r>
-            <a:r>
-              <a:rPr lang="en-US" dirty="0" smtClean="0"/>
-              <a:t>only</a:t>
-            </a:r>
+          </a:p>
+          <a:p>
+            <a:r>
+              <a:rPr lang="en-US" dirty="0"/>
+              <a:t>(I) Second to the left </a:t>
+            </a:r>
+          </a:p>
+          <a:p>
+            <a:r>
+              <a:rPr lang="en-US" dirty="0"/>
+              <a:t>(II) Third to the left </a:t>
+            </a:r>
+          </a:p>
+          <a:p>
+            <a:r>
+              <a:rPr lang="en-US" dirty="0"/>
+              <a:t>(III) Fifth to the right </a:t>
+            </a:r>
+          </a:p>
+          <a:p>
+            <a:r>
+              <a:rPr lang="en-US" dirty="0"/>
+              <a:t>(IV) Fourth to the right</a:t>
+            </a:r>
+          </a:p>
+          <a:p>
             <a:endParaRPr lang="en-GB" dirty="0"/>
           </a:p>
           <a:p>
             <a:r>
               <a:rPr lang="en-GB" dirty="0"/>
+              <a:t>A] </a:t>
+            </a:r>
+            <a:r>
+              <a:rPr lang="en-US" dirty="0"/>
+              <a:t>(I) only</a:t>
+            </a:r>
+            <a:endParaRPr lang="en-GB" dirty="0"/>
+          </a:p>
+          <a:p>
+            <a:r>
+              <a:rPr lang="en-GB" dirty="0"/>
               <a:t>B] </a:t>
             </a:r>
             <a:r>
-              <a:rPr lang="en-US" dirty="0" smtClean="0"/>
-              <a:t>(</a:t>
-            </a:r>
-            <a:r>
-              <a:rPr lang="en-US" dirty="0"/>
-              <a:t>II) </a:t>
-            </a:r>
-            <a:r>
-              <a:rPr lang="en-US" dirty="0" smtClean="0"/>
-              <a:t>only</a:t>
+              <a:rPr lang="en-US" dirty="0"/>
+              <a:t>(II) only</a:t>
             </a:r>
             <a:endParaRPr lang="en-GB" dirty="0"/>
           </a:p>
@@ -6515,16 +6202,8 @@
               <a:t>C] </a:t>
             </a:r>
             <a:r>
-              <a:rPr lang="en-US" dirty="0" smtClean="0"/>
-              <a:t>Both </a:t>
-            </a:r>
-            <a:r>
-              <a:rPr lang="en-US" dirty="0"/>
-              <a:t>(I) and (II</a:t>
-            </a:r>
-            <a:r>
-              <a:rPr lang="en-US" dirty="0" smtClean="0"/>
-              <a:t>)</a:t>
+              <a:rPr lang="en-US" dirty="0"/>
+              <a:t>Both (I) and (II)</a:t>
             </a:r>
             <a:endParaRPr lang="en-GB" dirty="0"/>
           </a:p>
@@ -6545,13 +6224,8 @@
           <a:p>
             <a:r>
               <a:rPr lang="en-GB" dirty="0"/>
-              <a:t>Answer: </a:t>
-            </a:r>
-            <a:r>
-              <a:rPr lang="en-GB" dirty="0" smtClean="0"/>
-              <a:t>D</a:t>
-            </a:r>
-            <a:endParaRPr lang="en-GB" dirty="0"/>
+              <a:t>Answer: D</a:t>
+            </a:r>
           </a:p>
         </p:txBody>
       </p:sp>
@@ -6601,10 +6275,9 @@
           <a:lstStyle/>
           <a:p>
             <a:r>
-              <a:rPr lang="en-US" dirty="0" smtClean="0"/>
+              <a:rPr lang="en-US" dirty="0"/>
               <a:t>Directions for 6 to 10</a:t>
             </a:r>
-            <a:endParaRPr lang="en-US" dirty="0"/>
           </a:p>
         </p:txBody>
       </p:sp>
@@ -6649,15 +6322,7 @@
             </a:r>
             <a:r>
               <a:rPr lang="en-US" dirty="0"/>
-              <a:t>, Luv, Moni and Nitin are working in different cities viz. Kolkata, Lucknow, Chandigarh</a:t>
-            </a:r>
-            <a:r>
-              <a:rPr lang="en-US" dirty="0" smtClean="0"/>
-              <a:t>, </a:t>
-            </a:r>
-            <a:r>
-              <a:rPr lang="en-US" dirty="0"/>
-              <a:t>Gandhinagar, Delhi, Agra, Bhopal not necessarily in the same order. Each one of them has a different profession from amongst Teacher, Photographer, Auditor, Fashion Designer, Builder, Choreographer and Painter not necessarily in the same order. Harish is a Choreographer and he works in Gandhinagar. </a:t>
+              <a:t>, Luv, Moni and Nitin are working in different cities viz. Kolkata, Lucknow, Chandigarh, Gandhinagar, Delhi, Agra, Bhopal not necessarily in the same order. Each one of them has a different profession from amongst Teacher, Photographer, Auditor, Fashion Designer, Builder, Choreographer and Painter not necessarily in the same order. Harish is a Choreographer and he works in Gandhinagar. </a:t>
             </a:r>
             <a:r>
               <a:rPr lang="en-US" dirty="0" err="1"/>
@@ -6681,11 +6346,7 @@
             </a:r>
             <a:r>
               <a:rPr lang="en-US" dirty="0"/>
-              <a:t> does not work in Lucknow</a:t>
-            </a:r>
-            <a:r>
-              <a:rPr lang="en-US" dirty="0" smtClean="0"/>
-              <a:t>.</a:t>
+              <a:t> does not work in Lucknow.</a:t>
             </a:r>
           </a:p>
         </p:txBody>
@@ -6725,7 +6386,7 @@
           <p:cNvPr id="2" name="Text Placeholder 1">
             <a:extLst>
               <a:ext uri="{FF2B5EF4-FFF2-40B4-BE49-F238E27FC236}">
-                <a16:creationId xmlns:a16="http://schemas.microsoft.com/office/drawing/2014/main" xmlns="" id="{46A95D8F-F270-4CF2-8BEE-E44E068405F1}"/>
+                <a16:creationId xmlns:a16="http://schemas.microsoft.com/office/drawing/2014/main" id="{46A95D8F-F270-4CF2-8BEE-E44E068405F1}"/>
               </a:ext>
             </a:extLst>
           </p:cNvPr>
@@ -6754,7 +6415,7 @@
           <p:cNvPr id="3" name="Text Placeholder 2">
             <a:extLst>
               <a:ext uri="{FF2B5EF4-FFF2-40B4-BE49-F238E27FC236}">
-                <a16:creationId xmlns:a16="http://schemas.microsoft.com/office/drawing/2014/main" xmlns="" id="{F3E87830-0C8E-4281-BC45-6EDFB3D6F0C6}"/>
+                <a16:creationId xmlns:a16="http://schemas.microsoft.com/office/drawing/2014/main" id="{F3E87830-0C8E-4281-BC45-6EDFB3D6F0C6}"/>
               </a:ext>
             </a:extLst>
           </p:cNvPr>
@@ -6771,7 +6432,7 @@
           <a:lstStyle/>
           <a:p>
             <a:r>
-              <a:rPr lang="en-GB" dirty="0" smtClean="0"/>
+              <a:rPr lang="en-GB" dirty="0"/>
               <a:t>Who is the auditor?</a:t>
             </a:r>
           </a:p>
@@ -6784,7 +6445,7 @@
               <a:t>A] </a:t>
             </a:r>
             <a:r>
-              <a:rPr lang="en-GB" dirty="0" err="1" smtClean="0"/>
+              <a:rPr lang="en-GB" dirty="0" err="1"/>
               <a:t>Javed</a:t>
             </a:r>
             <a:endParaRPr lang="en-GB" dirty="0"/>
@@ -6792,49 +6453,34 @@
           <a:p>
             <a:r>
               <a:rPr lang="en-GB" dirty="0"/>
-              <a:t>B] </a:t>
-            </a:r>
-            <a:r>
-              <a:rPr lang="en-GB" dirty="0" smtClean="0"/>
-              <a:t>Nitin</a:t>
+              <a:t>B] Nitin</a:t>
+            </a:r>
+          </a:p>
+          <a:p>
+            <a:r>
+              <a:rPr lang="en-GB" dirty="0"/>
+              <a:t>C] </a:t>
+            </a:r>
+            <a:r>
+              <a:rPr lang="en-GB" dirty="0" err="1"/>
+              <a:t>Kandarp</a:t>
             </a:r>
             <a:endParaRPr lang="en-GB" dirty="0"/>
           </a:p>
           <a:p>
             <a:r>
-              <a:rPr lang="en-GB" dirty="0" smtClean="0"/>
-              <a:t>C] </a:t>
-            </a:r>
-            <a:r>
-              <a:rPr lang="en-GB" dirty="0" err="1" smtClean="0"/>
-              <a:t>Kandarp</a:t>
-            </a:r>
+              <a:rPr lang="en-GB" dirty="0"/>
+              <a:t>D] Moni</a:t>
+            </a:r>
+          </a:p>
+          <a:p>
             <a:endParaRPr lang="en-GB" dirty="0"/>
           </a:p>
           <a:p>
             <a:r>
               <a:rPr lang="en-GB" dirty="0"/>
-              <a:t>D] </a:t>
-            </a:r>
-            <a:r>
-              <a:rPr lang="en-GB" dirty="0" smtClean="0"/>
-              <a:t>Moni</a:t>
-            </a:r>
-            <a:endParaRPr lang="en-GB" dirty="0"/>
-          </a:p>
-          <a:p>
-            <a:endParaRPr lang="en-GB" dirty="0"/>
-          </a:p>
-          <a:p>
-            <a:r>
-              <a:rPr lang="en-GB" dirty="0"/>
-              <a:t>Answer</a:t>
-            </a:r>
-            <a:r>
-              <a:rPr lang="en-GB" dirty="0" smtClean="0"/>
-              <a:t>: D</a:t>
-            </a:r>
-            <a:endParaRPr lang="en-GB" dirty="0"/>
+              <a:t>Answer: D</a:t>
+            </a:r>
           </a:p>
           <a:p>
             <a:endParaRPr lang="en-IN" dirty="0"/>
